--- a/docs/diagrams/FilterPatientSequenceDiagram.pptx
+++ b/docs/diagrams/FilterPatientSequenceDiagram.pptx
@@ -8,7 +8,7 @@
     <p:notesMasterId r:id="rId3"/>
   </p:notesMasterIdLst>
   <p:sldIdLst>
-    <p:sldId id="268" r:id="rId2"/>
+    <p:sldId id="269" r:id="rId2"/>
   </p:sldIdLst>
   <p:sldSz cx="9144000" cy="6858000" type="screen4x3"/>
   <p:notesSz cx="6858000" cy="9144000"/>
@@ -208,7 +208,7 @@
           <a:p>
             <a:fld id="{F5CC4B3F-88C1-4FFA-B1B6-F41C21DC6924}" type="datetimeFigureOut">
               <a:rPr lang="en-US" smtClean="0"/>
-              <a:t>10/24/18</a:t>
+              <a:t>11/11/18</a:t>
             </a:fld>
             <a:endParaRPr lang="en-US"/>
           </a:p>
@@ -654,7 +654,7 @@
           <a:p>
             <a:fld id="{78C97017-6FC3-485B-9764-EAC9E56C1D49}" type="datetimeFigureOut">
               <a:rPr lang="en-US" smtClean="0"/>
-              <a:t>10/24/18</a:t>
+              <a:t>11/11/18</a:t>
             </a:fld>
             <a:endParaRPr lang="en-US"/>
           </a:p>
@@ -822,7 +822,7 @@
           <a:p>
             <a:fld id="{78C97017-6FC3-485B-9764-EAC9E56C1D49}" type="datetimeFigureOut">
               <a:rPr lang="en-US" smtClean="0"/>
-              <a:t>10/24/18</a:t>
+              <a:t>11/11/18</a:t>
             </a:fld>
             <a:endParaRPr lang="en-US"/>
           </a:p>
@@ -1000,7 +1000,7 @@
           <a:p>
             <a:fld id="{78C97017-6FC3-485B-9764-EAC9E56C1D49}" type="datetimeFigureOut">
               <a:rPr lang="en-US" smtClean="0"/>
-              <a:t>10/24/18</a:t>
+              <a:t>11/11/18</a:t>
             </a:fld>
             <a:endParaRPr lang="en-US"/>
           </a:p>
@@ -1168,7 +1168,7 @@
           <a:p>
             <a:fld id="{78C97017-6FC3-485B-9764-EAC9E56C1D49}" type="datetimeFigureOut">
               <a:rPr lang="en-US" smtClean="0"/>
-              <a:t>10/24/18</a:t>
+              <a:t>11/11/18</a:t>
             </a:fld>
             <a:endParaRPr lang="en-US"/>
           </a:p>
@@ -1413,7 +1413,7 @@
           <a:p>
             <a:fld id="{78C97017-6FC3-485B-9764-EAC9E56C1D49}" type="datetimeFigureOut">
               <a:rPr lang="en-US" smtClean="0"/>
-              <a:t>10/24/18</a:t>
+              <a:t>11/11/18</a:t>
             </a:fld>
             <a:endParaRPr lang="en-US"/>
           </a:p>
@@ -1698,7 +1698,7 @@
           <a:p>
             <a:fld id="{78C97017-6FC3-485B-9764-EAC9E56C1D49}" type="datetimeFigureOut">
               <a:rPr lang="en-US" smtClean="0"/>
-              <a:t>10/24/18</a:t>
+              <a:t>11/11/18</a:t>
             </a:fld>
             <a:endParaRPr lang="en-US"/>
           </a:p>
@@ -2117,7 +2117,7 @@
           <a:p>
             <a:fld id="{78C97017-6FC3-485B-9764-EAC9E56C1D49}" type="datetimeFigureOut">
               <a:rPr lang="en-US" smtClean="0"/>
-              <a:t>10/24/18</a:t>
+              <a:t>11/11/18</a:t>
             </a:fld>
             <a:endParaRPr lang="en-US"/>
           </a:p>
@@ -2234,7 +2234,7 @@
           <a:p>
             <a:fld id="{78C97017-6FC3-485B-9764-EAC9E56C1D49}" type="datetimeFigureOut">
               <a:rPr lang="en-US" smtClean="0"/>
-              <a:t>10/24/18</a:t>
+              <a:t>11/11/18</a:t>
             </a:fld>
             <a:endParaRPr lang="en-US"/>
           </a:p>
@@ -2329,7 +2329,7 @@
           <a:p>
             <a:fld id="{78C97017-6FC3-485B-9764-EAC9E56C1D49}" type="datetimeFigureOut">
               <a:rPr lang="en-US" smtClean="0"/>
-              <a:t>10/24/18</a:t>
+              <a:t>11/11/18</a:t>
             </a:fld>
             <a:endParaRPr lang="en-US"/>
           </a:p>
@@ -2604,7 +2604,7 @@
           <a:p>
             <a:fld id="{78C97017-6FC3-485B-9764-EAC9E56C1D49}" type="datetimeFigureOut">
               <a:rPr lang="en-US" smtClean="0"/>
-              <a:t>10/24/18</a:t>
+              <a:t>11/11/18</a:t>
             </a:fld>
             <a:endParaRPr lang="en-US"/>
           </a:p>
@@ -2856,7 +2856,7 @@
           <a:p>
             <a:fld id="{78C97017-6FC3-485B-9764-EAC9E56C1D49}" type="datetimeFigureOut">
               <a:rPr lang="en-US" smtClean="0"/>
-              <a:t>10/24/18</a:t>
+              <a:t>11/11/18</a:t>
             </a:fld>
             <a:endParaRPr lang="en-US"/>
           </a:p>
@@ -3067,7 +3067,7 @@
           <a:p>
             <a:fld id="{78C97017-6FC3-485B-9764-EAC9E56C1D49}" type="datetimeFigureOut">
               <a:rPr lang="en-US" smtClean="0"/>
-              <a:t>10/24/18</a:t>
+              <a:t>11/11/18</a:t>
             </a:fld>
             <a:endParaRPr lang="en-US"/>
           </a:p>
@@ -3456,8 +3456,8 @@
         </p:nvSpPr>
         <p:spPr>
           <a:xfrm>
-            <a:off x="5856199" y="1740137"/>
-            <a:ext cx="3206009" cy="3567874"/>
+            <a:off x="5004966" y="1747075"/>
+            <a:ext cx="3294837" cy="3656187"/>
           </a:xfrm>
           <a:prstGeom prst="roundRect">
             <a:avLst>
@@ -3465,10 +3465,7 @@
             </a:avLst>
           </a:prstGeom>
           <a:solidFill>
-            <a:schemeClr val="accent4">
-              <a:lumMod val="20000"/>
-              <a:lumOff val="80000"/>
-            </a:schemeClr>
+            <a:srgbClr val="FFF3CC"/>
           </a:solidFill>
           <a:ln w="19050">
             <a:noFill/>
@@ -3513,7 +3510,7 @@
         <p:spPr>
           <a:xfrm>
             <a:off x="31783" y="1740138"/>
-            <a:ext cx="5867034" cy="3584374"/>
+            <a:ext cx="4903381" cy="3670062"/>
           </a:xfrm>
           <a:prstGeom prst="roundRect">
             <a:avLst>
@@ -3797,9 +3794,9 @@
           <p:nvPr/>
         </p:nvCxnSpPr>
         <p:spPr>
-          <a:xfrm>
-            <a:off x="2405314" y="2270587"/>
-            <a:ext cx="0" cy="1594592"/>
+          <a:xfrm flipH="1">
+            <a:off x="2398838" y="2270587"/>
+            <a:ext cx="6476" cy="1471112"/>
           </a:xfrm>
           <a:prstGeom prst="line">
             <a:avLst/>
@@ -3835,8 +3832,8 @@
         </p:nvSpPr>
         <p:spPr>
           <a:xfrm>
-            <a:off x="2329138" y="2642983"/>
-            <a:ext cx="174929" cy="1129459"/>
+            <a:off x="2314636" y="2642984"/>
+            <a:ext cx="168405" cy="856762"/>
           </a:xfrm>
           <a:prstGeom prst="rect">
             <a:avLst/>
@@ -3886,8 +3883,8 @@
         </p:nvSpPr>
         <p:spPr>
           <a:xfrm>
-            <a:off x="4628202" y="2731829"/>
-            <a:ext cx="1129245" cy="502700"/>
+            <a:off x="3492434" y="2295427"/>
+            <a:ext cx="1155765" cy="520203"/>
           </a:xfrm>
           <a:prstGeom prst="rect">
             <a:avLst/>
@@ -3927,7 +3924,7 @@
                   <a:schemeClr val="bg1"/>
                 </a:solidFill>
               </a:rPr>
-              <a:t>d:FilterDoctor</a:t>
+              <a:t>f:FilterPatient</a:t>
             </a:r>
             <a:br>
               <a:rPr lang="en-US" sz="1200" dirty="0">
@@ -3962,9 +3959,9 @@
           <p:nvPr/>
         </p:nvCxnSpPr>
         <p:spPr>
-          <a:xfrm>
-            <a:off x="5027536" y="3237231"/>
-            <a:ext cx="30355" cy="2070780"/>
+          <a:xfrm flipH="1">
+            <a:off x="4034625" y="2815630"/>
+            <a:ext cx="7710" cy="2492381"/>
           </a:xfrm>
           <a:prstGeom prst="line">
             <a:avLst/>
@@ -4000,8 +3997,8 @@
         </p:nvSpPr>
         <p:spPr>
           <a:xfrm>
-            <a:off x="4974834" y="3237231"/>
-            <a:ext cx="105404" cy="225927"/>
+            <a:off x="3955248" y="2815630"/>
+            <a:ext cx="174173" cy="237377"/>
           </a:xfrm>
           <a:prstGeom prst="rect">
             <a:avLst/>
@@ -4123,8 +4120,8 @@
         </p:nvSpPr>
         <p:spPr>
           <a:xfrm>
-            <a:off x="-18663" y="2546133"/>
-            <a:ext cx="1028758" cy="276999"/>
+            <a:off x="-60043" y="2546133"/>
+            <a:ext cx="1070138" cy="276999"/>
           </a:xfrm>
           <a:prstGeom prst="rect">
             <a:avLst/>
@@ -4155,49 +4152,11 @@
                   <a:srgbClr val="0070C0"/>
                 </a:solidFill>
               </a:rPr>
-              <a:t>(“filter-doctor”)</a:t>
-            </a:r>
-          </a:p>
-        </p:txBody>
-      </p:sp>
-      <p:cxnSp>
-        <p:nvCxnSpPr>
-          <p:cNvPr id="28" name="Straight Arrow Connector 27"/>
-          <p:cNvCxnSpPr>
-            <a:cxnSpLocks/>
-          </p:cNvCxnSpPr>
-          <p:nvPr/>
-        </p:nvCxnSpPr>
-        <p:spPr>
-          <a:xfrm flipV="1">
-            <a:off x="3975245" y="3208184"/>
-            <a:ext cx="642532" cy="1"/>
-          </a:xfrm>
-          <a:prstGeom prst="straightConnector1">
-            <a:avLst/>
-          </a:prstGeom>
-          <a:ln w="19050">
-            <a:solidFill>
-              <a:srgbClr val="0070C0"/>
-            </a:solidFill>
-            <a:tailEnd type="arrow"/>
-          </a:ln>
-        </p:spPr>
-        <p:style>
-          <a:lnRef idx="1">
-            <a:schemeClr val="accent1"/>
-          </a:lnRef>
-          <a:fillRef idx="0">
-            <a:schemeClr val="accent1"/>
-          </a:fillRef>
-          <a:effectRef idx="0">
-            <a:schemeClr val="accent1"/>
-          </a:effectRef>
-          <a:fontRef idx="minor">
-            <a:schemeClr val="tx1"/>
-          </a:fontRef>
-        </p:style>
-      </p:cxnSp>
+              <a:t>(“filter-patient”)</a:t>
+            </a:r>
+          </a:p>
+        </p:txBody>
+      </p:sp>
       <p:sp>
         <p:nvSpPr>
           <p:cNvPr id="29" name="TextBox 28"/>
@@ -4206,7 +4165,7 @@
         </p:nvSpPr>
         <p:spPr>
           <a:xfrm>
-            <a:off x="2503041" y="3927579"/>
+            <a:off x="2209604" y="3664755"/>
             <a:ext cx="855809" cy="153888"/>
           </a:xfrm>
           <a:prstGeom prst="rect">
@@ -4243,14 +4202,13 @@
           <p:cNvPr id="34" name="Straight Arrow Connector 33"/>
           <p:cNvCxnSpPr>
             <a:cxnSpLocks/>
-            <a:endCxn id="21" idx="2"/>
           </p:cNvCxnSpPr>
           <p:nvPr/>
         </p:nvCxnSpPr>
         <p:spPr>
           <a:xfrm>
-            <a:off x="3953139" y="3463158"/>
-            <a:ext cx="1074397" cy="0"/>
+            <a:off x="2467373" y="3071248"/>
+            <a:ext cx="1581286" cy="0"/>
           </a:xfrm>
           <a:prstGeom prst="straightConnector1">
             <a:avLst/>
@@ -4289,7 +4247,7 @@
         </p:nvCxnSpPr>
         <p:spPr>
           <a:xfrm>
-            <a:off x="1144475" y="3785793"/>
+            <a:off x="1142387" y="3491305"/>
             <a:ext cx="1172249" cy="0"/>
           </a:xfrm>
           <a:prstGeom prst="straightConnector1">
@@ -4367,17 +4325,14 @@
         </p:nvSpPr>
         <p:spPr>
           <a:xfrm>
-            <a:off x="5853451" y="2857049"/>
-            <a:ext cx="1082085" cy="474476"/>
+            <a:off x="5146095" y="2996497"/>
+            <a:ext cx="802576" cy="238408"/>
           </a:xfrm>
           <a:prstGeom prst="rect">
             <a:avLst/>
           </a:prstGeom>
           <a:solidFill>
-            <a:schemeClr val="accent4">
-              <a:lumMod val="60000"/>
-              <a:lumOff val="40000"/>
-            </a:schemeClr>
+            <a:srgbClr val="7030A0"/>
           </a:solidFill>
           <a:ln w="19050">
             <a:solidFill>
@@ -4409,28 +4364,12 @@
           <a:p>
             <a:pPr algn="ctr"/>
             <a:r>
-              <a:rPr lang="en-US" sz="1200" dirty="0" err="1">
+              <a:rPr lang="en-US" sz="1200" dirty="0">
                 <a:solidFill>
                   <a:schemeClr val="bg1"/>
                 </a:solidFill>
               </a:rPr>
-              <a:t>p</a:t>
-            </a:r>
-            <a:r>
-              <a:rPr lang="en-US" sz="1200" err="1">
-                <a:solidFill>
-                  <a:schemeClr val="bg1"/>
-                </a:solidFill>
-              </a:rPr>
-              <a:t>:</a:t>
-            </a:r>
-            <a:r>
-              <a:rPr lang="en-US" sz="1200">
-                <a:solidFill>
-                  <a:schemeClr val="bg1"/>
-                </a:solidFill>
-              </a:rPr>
-              <a:t>TagContainsDoctorPredicate</a:t>
+              <a:t>:Model</a:t>
             </a:r>
             <a:endParaRPr lang="en-SG" sz="1200" dirty="0">
               <a:solidFill>
@@ -4445,13 +4384,14 @@
           <p:cNvPr id="64" name="Straight Arrow Connector 63"/>
           <p:cNvCxnSpPr>
             <a:cxnSpLocks/>
+            <a:endCxn id="65" idx="0"/>
           </p:cNvCxnSpPr>
           <p:nvPr/>
         </p:nvCxnSpPr>
         <p:spPr>
           <a:xfrm>
-            <a:off x="1177443" y="3918885"/>
-            <a:ext cx="3752367" cy="5992"/>
+            <a:off x="1074515" y="3848780"/>
+            <a:ext cx="2940017" cy="4888"/>
           </a:xfrm>
           <a:prstGeom prst="straightConnector1">
             <a:avLst/>
@@ -4486,7 +4426,7 @@
         </p:nvSpPr>
         <p:spPr>
           <a:xfrm>
-            <a:off x="4964344" y="3880176"/>
+            <a:off x="3936335" y="3853668"/>
             <a:ext cx="156393" cy="1247838"/>
           </a:xfrm>
           <a:prstGeom prst="rect">
@@ -4534,19 +4474,16 @@
           <p:nvPr/>
         </p:nvCxnSpPr>
         <p:spPr>
-          <a:xfrm flipH="1">
-            <a:off x="7333818" y="2845589"/>
-            <a:ext cx="7494" cy="2358580"/>
+          <a:xfrm>
+            <a:off x="7099853" y="3491305"/>
+            <a:ext cx="28815" cy="1504985"/>
           </a:xfrm>
           <a:prstGeom prst="line">
             <a:avLst/>
           </a:prstGeom>
           <a:ln w="19050">
             <a:solidFill>
-              <a:schemeClr val="accent4">
-                <a:lumMod val="60000"/>
-                <a:lumOff val="40000"/>
-              </a:schemeClr>
+              <a:srgbClr val="7030A0"/>
             </a:solidFill>
             <a:prstDash val="sysDash"/>
           </a:ln>
@@ -4575,17 +4512,14 @@
         </p:nvSpPr>
         <p:spPr>
           <a:xfrm>
-            <a:off x="7253705" y="4272673"/>
-            <a:ext cx="160226" cy="272929"/>
+            <a:off x="7048554" y="4105816"/>
+            <a:ext cx="190445" cy="542384"/>
           </a:xfrm>
           <a:prstGeom prst="rect">
             <a:avLst/>
           </a:prstGeom>
           <a:solidFill>
-            <a:schemeClr val="accent4">
-              <a:lumMod val="60000"/>
-              <a:lumOff val="40000"/>
-            </a:schemeClr>
+            <a:srgbClr val="7030A0"/>
           </a:solidFill>
           <a:ln>
             <a:solidFill>
@@ -4626,44 +4560,6 @@
       </p:sp>
       <p:cxnSp>
         <p:nvCxnSpPr>
-          <p:cNvPr id="75" name="Straight Arrow Connector 74"/>
-          <p:cNvCxnSpPr>
-            <a:cxnSpLocks/>
-          </p:cNvCxnSpPr>
-          <p:nvPr/>
-        </p:nvCxnSpPr>
-        <p:spPr>
-          <a:xfrm>
-            <a:off x="5148820" y="3927579"/>
-            <a:ext cx="1023380" cy="0"/>
-          </a:xfrm>
-          <a:prstGeom prst="straightConnector1">
-            <a:avLst/>
-          </a:prstGeom>
-          <a:ln w="19050">
-            <a:solidFill>
-              <a:srgbClr val="0070C0"/>
-            </a:solidFill>
-            <a:tailEnd type="arrow"/>
-          </a:ln>
-        </p:spPr>
-        <p:style>
-          <a:lnRef idx="1">
-            <a:schemeClr val="accent1"/>
-          </a:lnRef>
-          <a:fillRef idx="0">
-            <a:schemeClr val="accent1"/>
-          </a:fillRef>
-          <a:effectRef idx="0">
-            <a:schemeClr val="accent1"/>
-          </a:effectRef>
-          <a:fontRef idx="minor">
-            <a:schemeClr val="tx1"/>
-          </a:fontRef>
-        </p:style>
-      </p:cxnSp>
-      <p:cxnSp>
-        <p:nvCxnSpPr>
           <p:cNvPr id="76" name="Straight Arrow Connector 75"/>
           <p:cNvCxnSpPr>
             <a:cxnSpLocks/>
@@ -4673,18 +4569,15 @@
         </p:nvCxnSpPr>
         <p:spPr>
           <a:xfrm>
-            <a:off x="5146095" y="4545602"/>
-            <a:ext cx="2187723" cy="0"/>
+            <a:off x="5593919" y="4633927"/>
+            <a:ext cx="1549858" cy="14273"/>
           </a:xfrm>
           <a:prstGeom prst="straightConnector1">
             <a:avLst/>
           </a:prstGeom>
           <a:ln w="19050">
             <a:solidFill>
-              <a:schemeClr val="accent4">
-                <a:lumMod val="60000"/>
-                <a:lumOff val="40000"/>
-              </a:schemeClr>
+              <a:srgbClr val="7030A0"/>
             </a:solidFill>
             <a:prstDash val="sysDash"/>
             <a:headEnd type="arrow" w="med" len="med"/>
@@ -4711,13 +4604,14 @@
           <p:cNvPr id="77" name="Straight Arrow Connector 76"/>
           <p:cNvCxnSpPr>
             <a:cxnSpLocks/>
+            <a:endCxn id="65" idx="2"/>
           </p:cNvCxnSpPr>
           <p:nvPr/>
         </p:nvCxnSpPr>
         <p:spPr>
           <a:xfrm>
             <a:off x="1157660" y="5099949"/>
-            <a:ext cx="3817174" cy="0"/>
+            <a:ext cx="2856872" cy="1557"/>
           </a:xfrm>
           <a:prstGeom prst="straightConnector1">
             <a:avLst/>
@@ -4748,14 +4642,14 @@
       </p:cxnSp>
       <p:sp>
         <p:nvSpPr>
-          <p:cNvPr id="82" name="TextBox 81"/>
+          <p:cNvPr id="80" name="TextBox 79"/>
           <p:cNvSpPr txBox="1"/>
           <p:nvPr/>
         </p:nvSpPr>
         <p:spPr>
           <a:xfrm>
-            <a:off x="2654692" y="4906798"/>
-            <a:ext cx="621216" cy="153888"/>
+            <a:off x="666817" y="2696247"/>
+            <a:ext cx="1596780" cy="307777"/>
           </a:xfrm>
           <a:prstGeom prst="rect">
             <a:avLst/>
@@ -4780,22 +4674,32 @@
           </a:lstStyle>
           <a:p>
             <a:r>
-              <a:rPr lang="en-US" sz="1000" dirty="0"/>
-              <a:t>result</a:t>
-            </a:r>
-          </a:p>
-        </p:txBody>
-      </p:sp>
-      <p:sp>
-        <p:nvSpPr>
-          <p:cNvPr id="83" name="TextBox 82"/>
+              <a:rPr lang="en-US" sz="900" dirty="0"/>
+              <a:t>parse</a:t>
+            </a:r>
+          </a:p>
+          <a:p>
+            <a:r>
+              <a:rPr lang="en-US" sz="900" dirty="0"/>
+              <a:t>(“filter-patient</a:t>
+            </a:r>
+            <a:r>
+              <a:rPr lang="en-US" sz="1100" dirty="0"/>
+              <a:t>”)</a:t>
+            </a:r>
+          </a:p>
+        </p:txBody>
+      </p:sp>
+      <p:sp>
+        <p:nvSpPr>
+          <p:cNvPr id="82" name="TextBox 81"/>
           <p:cNvSpPr txBox="1"/>
           <p:nvPr/>
         </p:nvSpPr>
         <p:spPr>
           <a:xfrm>
-            <a:off x="-87651" y="5065670"/>
-            <a:ext cx="762000" cy="138499"/>
+            <a:off x="2252586" y="4917503"/>
+            <a:ext cx="621216" cy="153888"/>
           </a:xfrm>
           <a:prstGeom prst="rect">
             <a:avLst/>
@@ -4820,7 +4724,7 @@
           </a:lstStyle>
           <a:p>
             <a:r>
-              <a:rPr lang="en-US" sz="900" dirty="0"/>
+              <a:rPr lang="en-US" sz="1000" dirty="0"/>
               <a:t>result</a:t>
             </a:r>
           </a:p>
@@ -4828,99 +4732,14 @@
       </p:sp>
       <p:sp>
         <p:nvSpPr>
-          <p:cNvPr id="86" name="Rectangle 85"/>
-          <p:cNvSpPr/>
-          <p:nvPr/>
-        </p:nvSpPr>
-        <p:spPr>
-          <a:xfrm>
-            <a:off x="5948363" y="4956638"/>
-            <a:ext cx="152400" cy="171376"/>
-          </a:xfrm>
-          <a:prstGeom prst="rect">
-            <a:avLst/>
-          </a:prstGeom>
-          <a:solidFill>
-            <a:srgbClr val="0070C0"/>
-          </a:solidFill>
-          <a:ln>
-            <a:solidFill>
-              <a:srgbClr val="0070C0"/>
-            </a:solidFill>
-          </a:ln>
-          <a:effectLst/>
-        </p:spPr>
-        <p:style>
-          <a:lnRef idx="1">
-            <a:schemeClr val="accent3"/>
-          </a:lnRef>
-          <a:fillRef idx="2">
-            <a:schemeClr val="accent3"/>
-          </a:fillRef>
-          <a:effectRef idx="1">
-            <a:schemeClr val="accent3"/>
-          </a:effectRef>
-          <a:fontRef idx="minor">
-            <a:schemeClr val="dk1"/>
-          </a:fontRef>
-        </p:style>
-        <p:txBody>
-          <a:bodyPr rtlCol="0" anchor="ctr"/>
-          <a:lstStyle/>
-          <a:p>
-            <a:pPr algn="ctr"/>
-            <a:endParaRPr lang="en-SG" sz="1400"/>
-          </a:p>
-        </p:txBody>
-      </p:sp>
-      <p:cxnSp>
-        <p:nvCxnSpPr>
-          <p:cNvPr id="90" name="Straight Arrow Connector 89"/>
-          <p:cNvCxnSpPr/>
-          <p:nvPr/>
-        </p:nvCxnSpPr>
-        <p:spPr>
-          <a:xfrm>
-            <a:off x="5120737" y="5099949"/>
-            <a:ext cx="966624" cy="0"/>
-          </a:xfrm>
-          <a:prstGeom prst="straightConnector1">
-            <a:avLst/>
-          </a:prstGeom>
-          <a:ln w="19050">
-            <a:solidFill>
-              <a:srgbClr val="0070C0"/>
-            </a:solidFill>
-            <a:prstDash val="sysDash"/>
-            <a:headEnd type="arrow" w="med" len="med"/>
-            <a:tailEnd type="none" w="med" len="med"/>
-          </a:ln>
-        </p:spPr>
-        <p:style>
-          <a:lnRef idx="1">
-            <a:schemeClr val="accent1"/>
-          </a:lnRef>
-          <a:fillRef idx="0">
-            <a:schemeClr val="accent1"/>
-          </a:fillRef>
-          <a:effectRef idx="0">
-            <a:schemeClr val="accent1"/>
-          </a:effectRef>
-          <a:fontRef idx="minor">
-            <a:schemeClr val="tx1"/>
-          </a:fontRef>
-        </p:style>
-      </p:cxnSp>
-      <p:sp>
-        <p:nvSpPr>
-          <p:cNvPr id="93" name="TextBox 92"/>
+          <p:cNvPr id="83" name="TextBox 82"/>
           <p:cNvSpPr txBox="1"/>
           <p:nvPr/>
         </p:nvSpPr>
         <p:spPr>
           <a:xfrm>
-            <a:off x="1620659" y="3619497"/>
-            <a:ext cx="220343" cy="138499"/>
+            <a:off x="-87651" y="5065670"/>
+            <a:ext cx="762000" cy="138499"/>
           </a:xfrm>
           <a:prstGeom prst="rect">
             <a:avLst/>
@@ -4946,275 +4765,63 @@
           <a:p>
             <a:r>
               <a:rPr lang="en-US" sz="900" dirty="0"/>
-              <a:t>d</a:t>
-            </a:r>
-          </a:p>
-        </p:txBody>
-      </p:sp>
-      <p:sp>
-        <p:nvSpPr>
-          <p:cNvPr id="40" name="Rectangle 62"/>
-          <p:cNvSpPr/>
+              <a:t>result</a:t>
+            </a:r>
+          </a:p>
+        </p:txBody>
+      </p:sp>
+      <p:sp>
+        <p:nvSpPr>
+          <p:cNvPr id="93" name="TextBox 92"/>
+          <p:cNvSpPr txBox="1"/>
           <p:nvPr/>
         </p:nvSpPr>
         <p:spPr>
           <a:xfrm>
-            <a:off x="3183125" y="2486322"/>
-            <a:ext cx="1378279" cy="406397"/>
+            <a:off x="1631870" y="3293104"/>
+            <a:ext cx="220343" cy="138499"/>
           </a:xfrm>
           <a:prstGeom prst="rect">
             <a:avLst/>
           </a:prstGeom>
-          <a:solidFill>
-            <a:srgbClr val="0070C0"/>
-          </a:solidFill>
-          <a:ln w="19050">
-            <a:solidFill>
-              <a:srgbClr val="0070C0"/>
-            </a:solidFill>
-          </a:ln>
-          <a:effectLst/>
-        </p:spPr>
-        <p:style>
-          <a:lnRef idx="1">
-            <a:schemeClr val="accent2"/>
-          </a:lnRef>
-          <a:fillRef idx="2">
-            <a:schemeClr val="accent2"/>
-          </a:fillRef>
-          <a:effectRef idx="1">
-            <a:schemeClr val="accent2"/>
-          </a:effectRef>
-          <a:fontRef idx="minor">
-            <a:schemeClr val="dk1"/>
-          </a:fontRef>
-        </p:style>
-        <p:txBody>
-          <a:bodyPr rtlCol="0" anchor="ctr"/>
-          <a:lstStyle/>
-          <a:p>
-            <a:pPr algn="ctr"/>
-            <a:r>
-              <a:rPr lang="en-US" sz="1200" dirty="0">
+          <a:noFill/>
+        </p:spPr>
+        <p:txBody>
+          <a:bodyPr wrap="square" lIns="0" tIns="0" rIns="0" bIns="0" rtlCol="0">
+            <a:spAutoFit/>
+          </a:bodyPr>
+          <a:lstStyle>
+            <a:defPPr>
+              <a:defRPr lang="en-US"/>
+            </a:defPPr>
+            <a:lvl1pPr algn="r">
+              <a:defRPr sz="1400">
                 <a:solidFill>
-                  <a:schemeClr val="bg1"/>
+                  <a:srgbClr val="0070C0"/>
                 </a:solidFill>
-              </a:rPr>
-              <a:t>:</a:t>
-            </a:r>
-            <a:r>
-              <a:rPr lang="en-US" sz="1200" dirty="0" err="1">
-                <a:solidFill>
-                  <a:schemeClr val="bg1"/>
-                </a:solidFill>
-              </a:rPr>
-              <a:t>FilterDoctor</a:t>
-            </a:r>
-            <a:endParaRPr lang="en-US" sz="1200" dirty="0">
-              <a:solidFill>
-                <a:schemeClr val="bg1"/>
-              </a:solidFill>
-            </a:endParaRPr>
-          </a:p>
-          <a:p>
-            <a:pPr algn="ctr"/>
-            <a:r>
-              <a:rPr lang="en-US" sz="1200" dirty="0" err="1">
-                <a:solidFill>
-                  <a:schemeClr val="bg1"/>
-                </a:solidFill>
-              </a:rPr>
-              <a:t>CommandParser</a:t>
-            </a:r>
-            <a:endParaRPr lang="en-SG" sz="1200" dirty="0">
-              <a:solidFill>
-                <a:schemeClr val="bg1"/>
-              </a:solidFill>
-            </a:endParaRPr>
+              </a:defRPr>
+            </a:lvl1pPr>
+          </a:lstStyle>
+          <a:p>
+            <a:r>
+              <a:rPr lang="en-US" sz="900" dirty="0"/>
+              <a:t>f</a:t>
+            </a:r>
           </a:p>
         </p:txBody>
       </p:sp>
       <p:cxnSp>
         <p:nvCxnSpPr>
-          <p:cNvPr id="8" name="Straight Arrow Connector 7"/>
+          <p:cNvPr id="50" name="Straight Arrow Connector 49"/>
           <p:cNvCxnSpPr>
             <a:cxnSpLocks/>
           </p:cNvCxnSpPr>
           <p:nvPr/>
         </p:nvCxnSpPr>
         <p:spPr>
-          <a:xfrm>
-            <a:off x="2492115" y="3260080"/>
-            <a:ext cx="1314300" cy="0"/>
-          </a:xfrm>
-          <a:prstGeom prst="straightConnector1">
-            <a:avLst/>
-          </a:prstGeom>
-          <a:ln w="19050">
-            <a:headEnd type="none" w="med" len="med"/>
-            <a:tailEnd type="arrow" w="med" len="med"/>
-          </a:ln>
-        </p:spPr>
-        <p:style>
-          <a:lnRef idx="1">
-            <a:schemeClr val="accent1"/>
-          </a:lnRef>
-          <a:fillRef idx="0">
-            <a:schemeClr val="accent1"/>
-          </a:fillRef>
-          <a:effectRef idx="0">
-            <a:schemeClr val="accent1"/>
-          </a:effectRef>
-          <a:fontRef idx="minor">
-            <a:schemeClr val="tx1"/>
-          </a:fontRef>
-        </p:style>
-      </p:cxnSp>
-      <p:sp>
-        <p:nvSpPr>
-          <p:cNvPr id="45" name="Rectangle 44"/>
-          <p:cNvSpPr/>
-          <p:nvPr/>
-        </p:nvSpPr>
-        <p:spPr>
-          <a:xfrm>
-            <a:off x="3766621" y="2900291"/>
-            <a:ext cx="205843" cy="123165"/>
-          </a:xfrm>
-          <a:prstGeom prst="rect">
-            <a:avLst/>
-          </a:prstGeom>
-          <a:solidFill>
-            <a:srgbClr val="0070C0"/>
-          </a:solidFill>
-          <a:ln>
-            <a:solidFill>
-              <a:srgbClr val="0070C0"/>
-            </a:solidFill>
-          </a:ln>
-          <a:effectLst/>
-        </p:spPr>
-        <p:style>
-          <a:lnRef idx="1">
-            <a:schemeClr val="accent3"/>
-          </a:lnRef>
-          <a:fillRef idx="2">
-            <a:schemeClr val="accent3"/>
-          </a:fillRef>
-          <a:effectRef idx="1">
-            <a:schemeClr val="accent3"/>
-          </a:effectRef>
-          <a:fontRef idx="minor">
-            <a:schemeClr val="dk1"/>
-          </a:fontRef>
-        </p:style>
-        <p:txBody>
-          <a:bodyPr rtlCol="0" anchor="ctr"/>
-          <a:lstStyle/>
-          <a:p>
-            <a:pPr algn="ctr"/>
-            <a:endParaRPr lang="en-SG" sz="1400" dirty="0"/>
-          </a:p>
-        </p:txBody>
-      </p:sp>
-      <p:cxnSp>
-        <p:nvCxnSpPr>
-          <p:cNvPr id="46" name="Straight Connector 45"/>
-          <p:cNvCxnSpPr>
-            <a:cxnSpLocks/>
-          </p:cNvCxnSpPr>
-          <p:nvPr/>
-        </p:nvCxnSpPr>
-        <p:spPr>
-          <a:xfrm flipH="1">
-            <a:off x="3865514" y="3037187"/>
-            <a:ext cx="15297" cy="748606"/>
-          </a:xfrm>
-          <a:prstGeom prst="line">
-            <a:avLst/>
-          </a:prstGeom>
-          <a:ln w="19050">
-            <a:solidFill>
-              <a:srgbClr val="0070C0"/>
-            </a:solidFill>
-            <a:prstDash val="sysDash"/>
-          </a:ln>
-          <a:effectLst/>
-        </p:spPr>
-        <p:style>
-          <a:lnRef idx="1">
-            <a:schemeClr val="accent1"/>
-          </a:lnRef>
-          <a:fillRef idx="2">
-            <a:schemeClr val="accent1"/>
-          </a:fillRef>
-          <a:effectRef idx="1">
-            <a:schemeClr val="accent1"/>
-          </a:effectRef>
-          <a:fontRef idx="minor">
-            <a:schemeClr val="dk1"/>
-          </a:fontRef>
-        </p:style>
-      </p:cxnSp>
-      <p:sp>
-        <p:nvSpPr>
-          <p:cNvPr id="49" name="Rectangle 48"/>
-          <p:cNvSpPr/>
-          <p:nvPr/>
-        </p:nvSpPr>
-        <p:spPr>
-          <a:xfrm>
-            <a:off x="3777890" y="3181973"/>
-            <a:ext cx="175249" cy="469929"/>
-          </a:xfrm>
-          <a:prstGeom prst="rect">
-            <a:avLst/>
-          </a:prstGeom>
-          <a:solidFill>
-            <a:srgbClr val="0070C0"/>
-          </a:solidFill>
-          <a:ln>
-            <a:solidFill>
-              <a:srgbClr val="0070C0"/>
-            </a:solidFill>
-          </a:ln>
-          <a:effectLst/>
-        </p:spPr>
-        <p:style>
-          <a:lnRef idx="1">
-            <a:schemeClr val="accent3"/>
-          </a:lnRef>
-          <a:fillRef idx="2">
-            <a:schemeClr val="accent3"/>
-          </a:fillRef>
-          <a:effectRef idx="1">
-            <a:schemeClr val="accent3"/>
-          </a:effectRef>
-          <a:fontRef idx="minor">
-            <a:schemeClr val="dk1"/>
-          </a:fontRef>
-        </p:style>
-        <p:txBody>
-          <a:bodyPr rtlCol="0" anchor="ctr"/>
-          <a:lstStyle/>
-          <a:p>
-            <a:pPr algn="ctr"/>
-            <a:endParaRPr lang="en-SG" sz="1400"/>
-          </a:p>
-        </p:txBody>
-      </p:sp>
-      <p:cxnSp>
-        <p:nvCxnSpPr>
-          <p:cNvPr id="51" name="Straight Arrow Connector 50"/>
-          <p:cNvCxnSpPr>
-            <a:cxnSpLocks/>
-          </p:cNvCxnSpPr>
-          <p:nvPr/>
-        </p:nvCxnSpPr>
-        <p:spPr>
-          <a:xfrm>
-            <a:off x="2488372" y="3632837"/>
-            <a:ext cx="1278249" cy="0"/>
+          <a:xfrm flipV="1">
+            <a:off x="2489365" y="2721573"/>
+            <a:ext cx="1003070" cy="3703"/>
           </a:xfrm>
           <a:prstGeom prst="straightConnector1">
             <a:avLst/>
@@ -5223,9 +4830,7 @@
             <a:solidFill>
               <a:srgbClr val="0070C0"/>
             </a:solidFill>
-            <a:prstDash val="sysDash"/>
-            <a:headEnd type="arrow" w="med" len="med"/>
-            <a:tailEnd type="none" w="med" len="med"/>
+            <a:tailEnd type="arrow"/>
           </a:ln>
         </p:spPr>
         <p:style>
@@ -5245,21 +4850,138 @@
       </p:cxnSp>
       <p:cxnSp>
         <p:nvCxnSpPr>
-          <p:cNvPr id="13" name="Straight Arrow Connector 12"/>
-          <p:cNvCxnSpPr/>
+          <p:cNvPr id="74" name="Straight Connector 70">
+            <a:extLst>
+              <a:ext uri="{FF2B5EF4-FFF2-40B4-BE49-F238E27FC236}">
+                <a16:creationId xmlns:a16="http://schemas.microsoft.com/office/drawing/2014/main" id="{3C5E4B8D-C49A-FF4C-B2DF-24E2514AB45D}"/>
+              </a:ext>
+            </a:extLst>
+          </p:cNvPr>
+          <p:cNvCxnSpPr>
+            <a:cxnSpLocks/>
+          </p:cNvCxnSpPr>
           <p:nvPr/>
         </p:nvCxnSpPr>
         <p:spPr>
           <a:xfrm>
-            <a:off x="5154636" y="4739582"/>
-            <a:ext cx="162246" cy="0"/>
+            <a:off x="5549721" y="3234905"/>
+            <a:ext cx="0" cy="1635994"/>
+          </a:xfrm>
+          <a:prstGeom prst="line">
+            <a:avLst/>
+          </a:prstGeom>
+          <a:ln w="19050">
+            <a:solidFill>
+              <a:srgbClr val="7030A0"/>
+            </a:solidFill>
+            <a:prstDash val="sysDash"/>
+          </a:ln>
+          <a:effectLst/>
+        </p:spPr>
+        <p:style>
+          <a:lnRef idx="1">
+            <a:schemeClr val="accent1"/>
+          </a:lnRef>
+          <a:fillRef idx="2">
+            <a:schemeClr val="accent1"/>
+          </a:fillRef>
+          <a:effectRef idx="1">
+            <a:schemeClr val="accent1"/>
+          </a:effectRef>
+          <a:fontRef idx="minor">
+            <a:schemeClr val="dk1"/>
+          </a:fontRef>
+        </p:style>
+      </p:cxnSp>
+      <p:sp>
+        <p:nvSpPr>
+          <p:cNvPr id="85" name="Rectangle 72">
+            <a:extLst>
+              <a:ext uri="{FF2B5EF4-FFF2-40B4-BE49-F238E27FC236}">
+                <a16:creationId xmlns:a16="http://schemas.microsoft.com/office/drawing/2014/main" id="{3A77499D-19EC-794E-A5C5-26EFCB5ED155}"/>
+              </a:ext>
+            </a:extLst>
+          </p:cNvPr>
+          <p:cNvSpPr/>
+          <p:nvPr/>
+        </p:nvSpPr>
+        <p:spPr>
+          <a:xfrm>
+            <a:off x="5475014" y="3961028"/>
+            <a:ext cx="169298" cy="687172"/>
+          </a:xfrm>
+          <a:prstGeom prst="rect">
+            <a:avLst/>
+          </a:prstGeom>
+          <a:solidFill>
+            <a:srgbClr val="7030A0"/>
+          </a:solidFill>
+          <a:ln>
+            <a:solidFill>
+              <a:schemeClr val="accent4">
+                <a:lumMod val="60000"/>
+                <a:lumOff val="40000"/>
+              </a:schemeClr>
+            </a:solidFill>
+          </a:ln>
+          <a:effectLst/>
+        </p:spPr>
+        <p:style>
+          <a:lnRef idx="1">
+            <a:schemeClr val="accent3"/>
+          </a:lnRef>
+          <a:fillRef idx="2">
+            <a:schemeClr val="accent3"/>
+          </a:fillRef>
+          <a:effectRef idx="1">
+            <a:schemeClr val="accent3"/>
+          </a:effectRef>
+          <a:fontRef idx="minor">
+            <a:schemeClr val="dk1"/>
+          </a:fontRef>
+        </p:style>
+        <p:txBody>
+          <a:bodyPr rtlCol="0" anchor="ctr"/>
+          <a:lstStyle/>
+          <a:p>
+            <a:pPr algn="ctr"/>
+            <a:endParaRPr lang="en-SG" sz="1400">
+              <a:solidFill>
+                <a:schemeClr val="dk1"/>
+              </a:solidFill>
+            </a:endParaRPr>
+          </a:p>
+        </p:txBody>
+      </p:sp>
+      <p:cxnSp>
+        <p:nvCxnSpPr>
+          <p:cNvPr id="87" name="Straight Arrow Connector 75">
+            <a:extLst>
+              <a:ext uri="{FF2B5EF4-FFF2-40B4-BE49-F238E27FC236}">
+                <a16:creationId xmlns:a16="http://schemas.microsoft.com/office/drawing/2014/main" id="{7CF7ECA5-86DB-CF42-9365-87754163FDB3}"/>
+              </a:ext>
+            </a:extLst>
+          </p:cNvPr>
+          <p:cNvCxnSpPr>
+            <a:cxnSpLocks/>
+          </p:cNvCxnSpPr>
+          <p:nvPr/>
+        </p:nvCxnSpPr>
+        <p:spPr>
+          <a:xfrm>
+            <a:off x="4127643" y="4648200"/>
+            <a:ext cx="1342310" cy="0"/>
           </a:xfrm>
           <a:prstGeom prst="straightConnector1">
             <a:avLst/>
           </a:prstGeom>
           <a:ln w="19050">
-            <a:headEnd type="none" w="med" len="med"/>
-            <a:tailEnd type="arrow" w="med" len="med"/>
+            <a:solidFill>
+              <a:srgbClr val="7030A0"/>
+            </a:solidFill>
+            <a:prstDash val="sysDash"/>
+            <a:headEnd type="arrow" w="med" len="med"/>
+            <a:tailEnd type="none" w="med" len="med"/>
           </a:ln>
         </p:spPr>
         <p:style>
@@ -5277,9 +4999,91 @@
           </a:fontRef>
         </p:style>
       </p:cxnSp>
+      <p:sp>
+        <p:nvSpPr>
+          <p:cNvPr id="88" name="Rectangle 62">
+            <a:extLst>
+              <a:ext uri="{FF2B5EF4-FFF2-40B4-BE49-F238E27FC236}">
+                <a16:creationId xmlns:a16="http://schemas.microsoft.com/office/drawing/2014/main" id="{F7BA9BAF-B03F-A340-B807-FCD99F49A49E}"/>
+              </a:ext>
+            </a:extLst>
+          </p:cNvPr>
+          <p:cNvSpPr/>
+          <p:nvPr/>
+        </p:nvSpPr>
+        <p:spPr>
+          <a:xfrm>
+            <a:off x="6238632" y="3269557"/>
+            <a:ext cx="1762368" cy="229164"/>
+          </a:xfrm>
+          <a:prstGeom prst="rect">
+            <a:avLst/>
+          </a:prstGeom>
+          <a:solidFill>
+            <a:srgbClr val="7030A0"/>
+          </a:solidFill>
+          <a:ln w="19050">
+            <a:solidFill>
+              <a:schemeClr val="accent4">
+                <a:lumMod val="60000"/>
+                <a:lumOff val="40000"/>
+              </a:schemeClr>
+            </a:solidFill>
+          </a:ln>
+          <a:effectLst/>
+        </p:spPr>
+        <p:style>
+          <a:lnRef idx="1">
+            <a:schemeClr val="accent2"/>
+          </a:lnRef>
+          <a:fillRef idx="2">
+            <a:schemeClr val="accent2"/>
+          </a:fillRef>
+          <a:effectRef idx="1">
+            <a:schemeClr val="accent2"/>
+          </a:effectRef>
+          <a:fontRef idx="minor">
+            <a:schemeClr val="dk1"/>
+          </a:fontRef>
+        </p:style>
+        <p:txBody>
+          <a:bodyPr rtlCol="0" anchor="ctr"/>
+          <a:lstStyle/>
+          <a:p>
+            <a:pPr algn="ctr"/>
+            <a:r>
+              <a:rPr lang="en-US" sz="1200" dirty="0">
+                <a:solidFill>
+                  <a:schemeClr val="bg1"/>
+                </a:solidFill>
+              </a:rPr>
+              <a:t>:</a:t>
+            </a:r>
+            <a:r>
+              <a:rPr lang="en-US" sz="1200" dirty="0" err="1">
+                <a:solidFill>
+                  <a:schemeClr val="bg1"/>
+                </a:solidFill>
+              </a:rPr>
+              <a:t>VersionedAddressBook</a:t>
+            </a:r>
+            <a:endParaRPr lang="en-SG" sz="1200" dirty="0">
+              <a:solidFill>
+                <a:schemeClr val="bg1"/>
+              </a:solidFill>
+            </a:endParaRPr>
+          </a:p>
+        </p:txBody>
+      </p:sp>
       <p:cxnSp>
         <p:nvCxnSpPr>
-          <p:cNvPr id="50" name="Straight Arrow Connector 49"/>
+          <p:cNvPr id="91" name="Straight Arrow Connector 74">
+            <a:extLst>
+              <a:ext uri="{FF2B5EF4-FFF2-40B4-BE49-F238E27FC236}">
+                <a16:creationId xmlns:a16="http://schemas.microsoft.com/office/drawing/2014/main" id="{C03ABABB-0272-4C4A-9E08-568D3C87CA72}"/>
+              </a:ext>
+            </a:extLst>
+          </p:cNvPr>
           <p:cNvCxnSpPr>
             <a:cxnSpLocks/>
           </p:cNvCxnSpPr>
@@ -5287,8 +5091,8 @@
         </p:nvCxnSpPr>
         <p:spPr>
           <a:xfrm flipV="1">
-            <a:off x="2499663" y="2708960"/>
-            <a:ext cx="653044" cy="7406"/>
+            <a:off x="4092728" y="3982651"/>
+            <a:ext cx="1412140" cy="4041"/>
           </a:xfrm>
           <a:prstGeom prst="straightConnector1">
             <a:avLst/>
@@ -5315,29 +5119,179 @@
           </a:fontRef>
         </p:style>
       </p:cxnSp>
+      <p:sp>
+        <p:nvSpPr>
+          <p:cNvPr id="78" name="TextBox 77"/>
+          <p:cNvSpPr txBox="1"/>
+          <p:nvPr/>
+        </p:nvSpPr>
+        <p:spPr>
+          <a:xfrm>
+            <a:off x="5535563" y="3992570"/>
+            <a:ext cx="1424846" cy="138499"/>
+          </a:xfrm>
+          <a:prstGeom prst="rect">
+            <a:avLst/>
+          </a:prstGeom>
+          <a:noFill/>
+        </p:spPr>
+        <p:txBody>
+          <a:bodyPr wrap="square" lIns="0" tIns="0" rIns="0" bIns="0" rtlCol="0">
+            <a:spAutoFit/>
+          </a:bodyPr>
+          <a:lstStyle>
+            <a:defPPr>
+              <a:defRPr lang="en-US"/>
+            </a:defPPr>
+            <a:lvl1pPr algn="r">
+              <a:defRPr sz="1400">
+                <a:solidFill>
+                  <a:srgbClr val="0070C0"/>
+                </a:solidFill>
+              </a:defRPr>
+            </a:lvl1pPr>
+          </a:lstStyle>
+          <a:p>
+            <a:r>
+              <a:rPr lang="en-US" sz="900" dirty="0" err="1">
+                <a:solidFill>
+                  <a:srgbClr val="7030A0"/>
+                </a:solidFill>
+              </a:rPr>
+              <a:t>updateFilteredPersonList</a:t>
+            </a:r>
+            <a:r>
+              <a:rPr lang="en-US" sz="900" dirty="0">
+                <a:solidFill>
+                  <a:srgbClr val="7030A0"/>
+                </a:solidFill>
+              </a:rPr>
+              <a:t>()</a:t>
+            </a:r>
+          </a:p>
+        </p:txBody>
+      </p:sp>
+      <p:sp>
+        <p:nvSpPr>
+          <p:cNvPr id="31" name="文本框 30">
+            <a:extLst>
+              <a:ext uri="{FF2B5EF4-FFF2-40B4-BE49-F238E27FC236}">
+                <a16:creationId xmlns:a16="http://schemas.microsoft.com/office/drawing/2014/main" id="{1B166261-5179-6145-975B-323EE9E07073}"/>
+              </a:ext>
+            </a:extLst>
+          </p:cNvPr>
+          <p:cNvSpPr txBox="1"/>
+          <p:nvPr/>
+        </p:nvSpPr>
+        <p:spPr>
+          <a:xfrm>
+            <a:off x="3919876" y="5183673"/>
+            <a:ext cx="229497" cy="276999"/>
+          </a:xfrm>
+          <a:prstGeom prst="rect">
+            <a:avLst/>
+          </a:prstGeom>
+          <a:noFill/>
+        </p:spPr>
+        <p:txBody>
+          <a:bodyPr wrap="square" rtlCol="0">
+            <a:spAutoFit/>
+          </a:bodyPr>
+          <a:lstStyle/>
+          <a:p>
+            <a:r>
+              <a:rPr kumimoji="1" lang="en-US" altLang="zh-CN" sz="1200" dirty="0"/>
+              <a:t>x</a:t>
+            </a:r>
+            <a:endParaRPr kumimoji="1" lang="zh-CN" altLang="en-US" sz="1200" dirty="0"/>
+          </a:p>
+        </p:txBody>
+      </p:sp>
+      <p:sp>
+        <p:nvSpPr>
+          <p:cNvPr id="92" name="TextBox 77">
+            <a:extLst>
+              <a:ext uri="{FF2B5EF4-FFF2-40B4-BE49-F238E27FC236}">
+                <a16:creationId xmlns:a16="http://schemas.microsoft.com/office/drawing/2014/main" id="{908E0C94-4DD7-9B4B-B4B1-4E8171BBD388}"/>
+              </a:ext>
+            </a:extLst>
+          </p:cNvPr>
+          <p:cNvSpPr txBox="1"/>
+          <p:nvPr/>
+        </p:nvSpPr>
+        <p:spPr>
+          <a:xfrm>
+            <a:off x="3965873" y="3822274"/>
+            <a:ext cx="1424846" cy="138499"/>
+          </a:xfrm>
+          <a:prstGeom prst="rect">
+            <a:avLst/>
+          </a:prstGeom>
+          <a:noFill/>
+        </p:spPr>
+        <p:txBody>
+          <a:bodyPr wrap="square" lIns="0" tIns="0" rIns="0" bIns="0" rtlCol="0">
+            <a:spAutoFit/>
+          </a:bodyPr>
+          <a:lstStyle>
+            <a:defPPr>
+              <a:defRPr lang="en-US"/>
+            </a:defPPr>
+            <a:lvl1pPr algn="r">
+              <a:defRPr sz="1400">
+                <a:solidFill>
+                  <a:srgbClr val="0070C0"/>
+                </a:solidFill>
+              </a:defRPr>
+            </a:lvl1pPr>
+          </a:lstStyle>
+          <a:p>
+            <a:r>
+              <a:rPr lang="en-US" sz="900" dirty="0" err="1">
+                <a:solidFill>
+                  <a:srgbClr val="7030A0"/>
+                </a:solidFill>
+              </a:rPr>
+              <a:t>updateFilteredPersonList</a:t>
+            </a:r>
+            <a:r>
+              <a:rPr lang="en-US" sz="900" dirty="0">
+                <a:solidFill>
+                  <a:srgbClr val="7030A0"/>
+                </a:solidFill>
+              </a:rPr>
+              <a:t>()</a:t>
+            </a:r>
+          </a:p>
+        </p:txBody>
+      </p:sp>
       <p:cxnSp>
         <p:nvCxnSpPr>
-          <p:cNvPr id="52" name="Straight Arrow Connector 51"/>
+          <p:cNvPr id="94" name="Straight Arrow Connector 74">
+            <a:extLst>
+              <a:ext uri="{FF2B5EF4-FFF2-40B4-BE49-F238E27FC236}">
+                <a16:creationId xmlns:a16="http://schemas.microsoft.com/office/drawing/2014/main" id="{F263436B-ECEB-2842-BF86-696CE57817BF}"/>
+              </a:ext>
+            </a:extLst>
+          </p:cNvPr>
           <p:cNvCxnSpPr>
             <a:cxnSpLocks/>
           </p:cNvCxnSpPr>
           <p:nvPr/>
         </p:nvCxnSpPr>
         <p:spPr>
-          <a:xfrm>
-            <a:off x="2468443" y="3024687"/>
-            <a:ext cx="1298178" cy="12500"/>
+          <a:xfrm flipV="1">
+            <a:off x="5640364" y="4144975"/>
+            <a:ext cx="1412140" cy="4041"/>
           </a:xfrm>
           <a:prstGeom prst="straightConnector1">
             <a:avLst/>
           </a:prstGeom>
           <a:ln w="19050">
             <a:solidFill>
-              <a:srgbClr val="0070C0"/>
+              <a:srgbClr val="7030A0"/>
             </a:solidFill>
-            <a:prstDash val="sysDash"/>
-            <a:headEnd type="arrow" w="med" len="med"/>
-            <a:tailEnd type="none" w="med" len="med"/>
+            <a:tailEnd type="arrow"/>
           </a:ln>
         </p:spPr>
         <p:style>
@@ -5355,488 +5309,10 @@
           </a:fontRef>
         </p:style>
       </p:cxnSp>
-      <p:sp>
-        <p:nvSpPr>
-          <p:cNvPr id="4" name="TextBox 3"/>
-          <p:cNvSpPr txBox="1"/>
-          <p:nvPr/>
-        </p:nvSpPr>
-        <p:spPr>
-          <a:xfrm>
-            <a:off x="3741553" y="3663267"/>
-            <a:ext cx="278515" cy="261610"/>
-          </a:xfrm>
-          <a:prstGeom prst="rect">
-            <a:avLst/>
-          </a:prstGeom>
-          <a:noFill/>
-        </p:spPr>
-        <p:txBody>
-          <a:bodyPr wrap="square" rtlCol="0">
-            <a:spAutoFit/>
-          </a:bodyPr>
-          <a:lstStyle/>
-          <a:p>
-            <a:r>
-              <a:rPr lang="en-SG" sz="1100" dirty="0">
-                <a:solidFill>
-                  <a:srgbClr val="002060"/>
-                </a:solidFill>
-              </a:rPr>
-              <a:t>X</a:t>
-            </a:r>
-          </a:p>
-        </p:txBody>
-      </p:sp>
-      <p:cxnSp>
-        <p:nvCxnSpPr>
-          <p:cNvPr id="74" name="Straight Connector 70">
-            <a:extLst>
-              <a:ext uri="{FF2B5EF4-FFF2-40B4-BE49-F238E27FC236}">
-                <a16:creationId xmlns:a16="http://schemas.microsoft.com/office/drawing/2014/main" id="{3C5E4B8D-C49A-FF4C-B2DF-24E2514AB45D}"/>
-              </a:ext>
-            </a:extLst>
-          </p:cNvPr>
-          <p:cNvCxnSpPr>
-            <a:cxnSpLocks/>
-          </p:cNvCxnSpPr>
-          <p:nvPr/>
-        </p:nvCxnSpPr>
-        <p:spPr>
-          <a:xfrm>
-            <a:off x="6286336" y="3334211"/>
-            <a:ext cx="0" cy="1635994"/>
-          </a:xfrm>
-          <a:prstGeom prst="line">
-            <a:avLst/>
-          </a:prstGeom>
-          <a:ln w="19050">
-            <a:solidFill>
-              <a:schemeClr val="accent4">
-                <a:lumMod val="60000"/>
-                <a:lumOff val="40000"/>
-              </a:schemeClr>
-            </a:solidFill>
-            <a:prstDash val="sysDash"/>
-          </a:ln>
-          <a:effectLst/>
-        </p:spPr>
-        <p:style>
-          <a:lnRef idx="1">
-            <a:schemeClr val="accent1"/>
-          </a:lnRef>
-          <a:fillRef idx="2">
-            <a:schemeClr val="accent1"/>
-          </a:fillRef>
-          <a:effectRef idx="1">
-            <a:schemeClr val="accent1"/>
-          </a:effectRef>
-          <a:fontRef idx="minor">
-            <a:schemeClr val="dk1"/>
-          </a:fontRef>
-        </p:style>
-      </p:cxnSp>
-      <p:sp>
-        <p:nvSpPr>
-          <p:cNvPr id="85" name="Rectangle 72">
-            <a:extLst>
-              <a:ext uri="{FF2B5EF4-FFF2-40B4-BE49-F238E27FC236}">
-                <a16:creationId xmlns:a16="http://schemas.microsoft.com/office/drawing/2014/main" id="{3A77499D-19EC-794E-A5C5-26EFCB5ED155}"/>
-              </a:ext>
-            </a:extLst>
-          </p:cNvPr>
-          <p:cNvSpPr/>
-          <p:nvPr/>
-        </p:nvSpPr>
-        <p:spPr>
-          <a:xfrm>
-            <a:off x="6179208" y="3887158"/>
-            <a:ext cx="163540" cy="303842"/>
-          </a:xfrm>
-          <a:prstGeom prst="rect">
-            <a:avLst/>
-          </a:prstGeom>
-          <a:solidFill>
-            <a:schemeClr val="accent4">
-              <a:lumMod val="60000"/>
-              <a:lumOff val="40000"/>
-            </a:schemeClr>
-          </a:solidFill>
-          <a:ln>
-            <a:solidFill>
-              <a:schemeClr val="accent4">
-                <a:lumMod val="60000"/>
-                <a:lumOff val="40000"/>
-              </a:schemeClr>
-            </a:solidFill>
-          </a:ln>
-          <a:effectLst/>
-        </p:spPr>
-        <p:style>
-          <a:lnRef idx="1">
-            <a:schemeClr val="accent3"/>
-          </a:lnRef>
-          <a:fillRef idx="2">
-            <a:schemeClr val="accent3"/>
-          </a:fillRef>
-          <a:effectRef idx="1">
-            <a:schemeClr val="accent3"/>
-          </a:effectRef>
-          <a:fontRef idx="minor">
-            <a:schemeClr val="dk1"/>
-          </a:fontRef>
-        </p:style>
-        <p:txBody>
-          <a:bodyPr rtlCol="0" anchor="ctr"/>
-          <a:lstStyle/>
-          <a:p>
-            <a:pPr algn="ctr"/>
-            <a:endParaRPr lang="en-SG" sz="1400">
-              <a:solidFill>
-                <a:schemeClr val="dk1"/>
-              </a:solidFill>
-            </a:endParaRPr>
-          </a:p>
-        </p:txBody>
-      </p:sp>
-      <p:cxnSp>
-        <p:nvCxnSpPr>
-          <p:cNvPr id="87" name="Straight Arrow Connector 75">
-            <a:extLst>
-              <a:ext uri="{FF2B5EF4-FFF2-40B4-BE49-F238E27FC236}">
-                <a16:creationId xmlns:a16="http://schemas.microsoft.com/office/drawing/2014/main" id="{7CF7ECA5-86DB-CF42-9365-87754163FDB3}"/>
-              </a:ext>
-            </a:extLst>
-          </p:cNvPr>
-          <p:cNvCxnSpPr>
-            <a:cxnSpLocks/>
-            <a:endCxn id="85" idx="2"/>
-          </p:cNvCxnSpPr>
-          <p:nvPr/>
-        </p:nvCxnSpPr>
-        <p:spPr>
-          <a:xfrm flipV="1">
-            <a:off x="5088152" y="4191000"/>
-            <a:ext cx="1172826" cy="11922"/>
-          </a:xfrm>
-          <a:prstGeom prst="straightConnector1">
-            <a:avLst/>
-          </a:prstGeom>
-          <a:ln w="19050">
-            <a:solidFill>
-              <a:schemeClr val="accent4">
-                <a:lumMod val="60000"/>
-                <a:lumOff val="40000"/>
-              </a:schemeClr>
-            </a:solidFill>
-            <a:prstDash val="sysDash"/>
-            <a:headEnd type="arrow" w="med" len="med"/>
-            <a:tailEnd type="none" w="med" len="med"/>
-          </a:ln>
-        </p:spPr>
-        <p:style>
-          <a:lnRef idx="1">
-            <a:schemeClr val="accent1"/>
-          </a:lnRef>
-          <a:fillRef idx="0">
-            <a:schemeClr val="accent1"/>
-          </a:fillRef>
-          <a:effectRef idx="0">
-            <a:schemeClr val="accent1"/>
-          </a:effectRef>
-          <a:fontRef idx="minor">
-            <a:schemeClr val="tx1"/>
-          </a:fontRef>
-        </p:style>
-      </p:cxnSp>
-      <p:sp>
-        <p:nvSpPr>
-          <p:cNvPr id="88" name="Rectangle 62">
-            <a:extLst>
-              <a:ext uri="{FF2B5EF4-FFF2-40B4-BE49-F238E27FC236}">
-                <a16:creationId xmlns:a16="http://schemas.microsoft.com/office/drawing/2014/main" id="{F7BA9BAF-B03F-A340-B807-FCD99F49A49E}"/>
-              </a:ext>
-            </a:extLst>
-          </p:cNvPr>
-          <p:cNvSpPr/>
-          <p:nvPr/>
-        </p:nvSpPr>
-        <p:spPr>
-          <a:xfrm>
-            <a:off x="7020246" y="2716366"/>
-            <a:ext cx="653648" cy="231455"/>
-          </a:xfrm>
-          <a:prstGeom prst="rect">
-            <a:avLst/>
-          </a:prstGeom>
-          <a:solidFill>
-            <a:schemeClr val="accent4">
-              <a:lumMod val="60000"/>
-              <a:lumOff val="40000"/>
-            </a:schemeClr>
-          </a:solidFill>
-          <a:ln w="19050">
-            <a:solidFill>
-              <a:schemeClr val="accent4">
-                <a:lumMod val="60000"/>
-                <a:lumOff val="40000"/>
-              </a:schemeClr>
-            </a:solidFill>
-          </a:ln>
-          <a:effectLst/>
-        </p:spPr>
-        <p:style>
-          <a:lnRef idx="1">
-            <a:schemeClr val="accent2"/>
-          </a:lnRef>
-          <a:fillRef idx="2">
-            <a:schemeClr val="accent2"/>
-          </a:fillRef>
-          <a:effectRef idx="1">
-            <a:schemeClr val="accent2"/>
-          </a:effectRef>
-          <a:fontRef idx="minor">
-            <a:schemeClr val="dk1"/>
-          </a:fontRef>
-        </p:style>
-        <p:txBody>
-          <a:bodyPr rtlCol="0" anchor="ctr"/>
-          <a:lstStyle/>
-          <a:p>
-            <a:pPr algn="ctr"/>
-            <a:r>
-              <a:rPr lang="en-US" sz="1200" dirty="0">
-                <a:solidFill>
-                  <a:schemeClr val="bg1"/>
-                </a:solidFill>
-              </a:rPr>
-              <a:t>:Model</a:t>
-            </a:r>
-            <a:endParaRPr lang="en-SG" sz="1200" dirty="0">
-              <a:solidFill>
-                <a:schemeClr val="bg1"/>
-              </a:solidFill>
-            </a:endParaRPr>
-          </a:p>
-        </p:txBody>
-      </p:sp>
-      <p:sp>
-        <p:nvSpPr>
-          <p:cNvPr id="89" name="TextBox 77">
-            <a:extLst>
-              <a:ext uri="{FF2B5EF4-FFF2-40B4-BE49-F238E27FC236}">
-                <a16:creationId xmlns:a16="http://schemas.microsoft.com/office/drawing/2014/main" id="{093278BE-0289-F347-B6D7-0B94514EC160}"/>
-              </a:ext>
-            </a:extLst>
-          </p:cNvPr>
-          <p:cNvSpPr txBox="1"/>
-          <p:nvPr/>
-        </p:nvSpPr>
-        <p:spPr>
-          <a:xfrm rot="10800000" flipV="1">
-            <a:off x="5243464" y="4017067"/>
-            <a:ext cx="540859" cy="153888"/>
-          </a:xfrm>
-          <a:prstGeom prst="rect">
-            <a:avLst/>
-          </a:prstGeom>
-          <a:noFill/>
-        </p:spPr>
-        <p:txBody>
-          <a:bodyPr wrap="square" lIns="0" tIns="0" rIns="0" bIns="0" rtlCol="0">
-            <a:spAutoFit/>
-          </a:bodyPr>
-          <a:lstStyle>
-            <a:defPPr>
-              <a:defRPr lang="en-US"/>
-            </a:defPPr>
-            <a:lvl1pPr algn="r">
-              <a:defRPr sz="1400">
-                <a:solidFill>
-                  <a:srgbClr val="0070C0"/>
-                </a:solidFill>
-              </a:defRPr>
-            </a:lvl1pPr>
-          </a:lstStyle>
-          <a:p>
-            <a:r>
-              <a:rPr lang="en-US" sz="1000" dirty="0">
-                <a:solidFill>
-                  <a:srgbClr val="7030A0"/>
-                </a:solidFill>
-              </a:rPr>
-              <a:t>p</a:t>
-            </a:r>
-          </a:p>
-        </p:txBody>
-      </p:sp>
-      <p:cxnSp>
-        <p:nvCxnSpPr>
-          <p:cNvPr id="91" name="Straight Arrow Connector 74">
-            <a:extLst>
-              <a:ext uri="{FF2B5EF4-FFF2-40B4-BE49-F238E27FC236}">
-                <a16:creationId xmlns:a16="http://schemas.microsoft.com/office/drawing/2014/main" id="{C03ABABB-0272-4C4A-9E08-568D3C87CA72}"/>
-              </a:ext>
-            </a:extLst>
-          </p:cNvPr>
-          <p:cNvCxnSpPr>
-            <a:cxnSpLocks/>
-          </p:cNvCxnSpPr>
-          <p:nvPr/>
-        </p:nvCxnSpPr>
-        <p:spPr>
-          <a:xfrm>
-            <a:off x="5051485" y="4334846"/>
-            <a:ext cx="2202220" cy="2987"/>
-          </a:xfrm>
-          <a:prstGeom prst="straightConnector1">
-            <a:avLst/>
-          </a:prstGeom>
-          <a:ln w="19050">
-            <a:solidFill>
-              <a:srgbClr val="0070C0"/>
-            </a:solidFill>
-            <a:tailEnd type="arrow"/>
-          </a:ln>
-        </p:spPr>
-        <p:style>
-          <a:lnRef idx="1">
-            <a:schemeClr val="accent1"/>
-          </a:lnRef>
-          <a:fillRef idx="0">
-            <a:schemeClr val="accent1"/>
-          </a:fillRef>
-          <a:effectRef idx="0">
-            <a:schemeClr val="accent1"/>
-          </a:effectRef>
-          <a:fontRef idx="minor">
-            <a:schemeClr val="tx1"/>
-          </a:fontRef>
-        </p:style>
-      </p:cxnSp>
-      <p:sp>
-        <p:nvSpPr>
-          <p:cNvPr id="78" name="TextBox 77"/>
-          <p:cNvSpPr txBox="1"/>
-          <p:nvPr/>
-        </p:nvSpPr>
-        <p:spPr>
-          <a:xfrm>
-            <a:off x="5305119" y="4339030"/>
-            <a:ext cx="1424846" cy="138499"/>
-          </a:xfrm>
-          <a:prstGeom prst="rect">
-            <a:avLst/>
-          </a:prstGeom>
-          <a:noFill/>
-        </p:spPr>
-        <p:txBody>
-          <a:bodyPr wrap="square" lIns="0" tIns="0" rIns="0" bIns="0" rtlCol="0">
-            <a:spAutoFit/>
-          </a:bodyPr>
-          <a:lstStyle>
-            <a:defPPr>
-              <a:defRPr lang="en-US"/>
-            </a:defPPr>
-            <a:lvl1pPr algn="r">
-              <a:defRPr sz="1400">
-                <a:solidFill>
-                  <a:srgbClr val="0070C0"/>
-                </a:solidFill>
-              </a:defRPr>
-            </a:lvl1pPr>
-          </a:lstStyle>
-          <a:p>
-            <a:r>
-              <a:rPr lang="en-US" sz="900" dirty="0" err="1">
-                <a:solidFill>
-                  <a:srgbClr val="7030A0"/>
-                </a:solidFill>
-              </a:rPr>
-              <a:t>updateFilteredPersonList</a:t>
-            </a:r>
-            <a:r>
-              <a:rPr lang="en-US" sz="900" dirty="0">
-                <a:solidFill>
-                  <a:srgbClr val="7030A0"/>
-                </a:solidFill>
-              </a:rPr>
-              <a:t>(p)</a:t>
-            </a:r>
-          </a:p>
-        </p:txBody>
-      </p:sp>
-      <p:sp>
-        <p:nvSpPr>
-          <p:cNvPr id="84" name="Rectangle 62"/>
-          <p:cNvSpPr/>
-          <p:nvPr/>
-        </p:nvSpPr>
-        <p:spPr>
-          <a:xfrm>
-            <a:off x="5323187" y="4608294"/>
-            <a:ext cx="1244974" cy="331418"/>
-          </a:xfrm>
-          <a:prstGeom prst="rect">
-            <a:avLst/>
-          </a:prstGeom>
-          <a:solidFill>
-            <a:srgbClr val="0070C0"/>
-          </a:solidFill>
-          <a:ln w="19050">
-            <a:solidFill>
-              <a:srgbClr val="0070C0"/>
-            </a:solidFill>
-          </a:ln>
-          <a:effectLst/>
-        </p:spPr>
-        <p:style>
-          <a:lnRef idx="1">
-            <a:schemeClr val="accent2"/>
-          </a:lnRef>
-          <a:fillRef idx="2">
-            <a:schemeClr val="accent2"/>
-          </a:fillRef>
-          <a:effectRef idx="1">
-            <a:schemeClr val="accent2"/>
-          </a:effectRef>
-          <a:fontRef idx="minor">
-            <a:schemeClr val="dk1"/>
-          </a:fontRef>
-        </p:style>
-        <p:txBody>
-          <a:bodyPr rtlCol="0" anchor="ctr"/>
-          <a:lstStyle/>
-          <a:p>
-            <a:pPr algn="ctr"/>
-            <a:r>
-              <a:rPr lang="en-US" sz="1200" dirty="0" err="1">
-                <a:solidFill>
-                  <a:schemeClr val="bg1"/>
-                </a:solidFill>
-              </a:rPr>
-              <a:t>result:Command</a:t>
-            </a:r>
-            <a:r>
-              <a:rPr lang="en-US" sz="1200" dirty="0">
-                <a:solidFill>
-                  <a:schemeClr val="bg1"/>
-                </a:solidFill>
-              </a:rPr>
-              <a:t> Result</a:t>
-            </a:r>
-            <a:endParaRPr lang="en-SG" sz="1200" dirty="0">
-              <a:solidFill>
-                <a:schemeClr val="bg1"/>
-              </a:solidFill>
-            </a:endParaRPr>
-          </a:p>
-        </p:txBody>
-      </p:sp>
     </p:spTree>
     <p:extLst>
       <p:ext uri="{BB962C8B-B14F-4D97-AF65-F5344CB8AC3E}">
-        <p14:creationId xmlns:p14="http://schemas.microsoft.com/office/powerpoint/2010/main" val="2876103528"/>
+        <p14:creationId xmlns:p14="http://schemas.microsoft.com/office/powerpoint/2010/main" val="3946992059"/>
       </p:ext>
     </p:extLst>
   </p:cSld>

--- a/docs/diagrams/FilterPatientSequenceDiagram.pptx
+++ b/docs/diagrams/FilterPatientSequenceDiagram.pptx
@@ -208,7 +208,7 @@
           <a:p>
             <a:fld id="{F5CC4B3F-88C1-4FFA-B1B6-F41C21DC6924}" type="datetimeFigureOut">
               <a:rPr lang="en-US" smtClean="0"/>
-              <a:t>10/24/18</a:t>
+              <a:t>11/11/2018</a:t>
             </a:fld>
             <a:endParaRPr lang="en-US"/>
           </a:p>
@@ -654,7 +654,7 @@
           <a:p>
             <a:fld id="{78C97017-6FC3-485B-9764-EAC9E56C1D49}" type="datetimeFigureOut">
               <a:rPr lang="en-US" smtClean="0"/>
-              <a:t>10/24/18</a:t>
+              <a:t>11/11/2018</a:t>
             </a:fld>
             <a:endParaRPr lang="en-US"/>
           </a:p>
@@ -822,7 +822,7 @@
           <a:p>
             <a:fld id="{78C97017-6FC3-485B-9764-EAC9E56C1D49}" type="datetimeFigureOut">
               <a:rPr lang="en-US" smtClean="0"/>
-              <a:t>10/24/18</a:t>
+              <a:t>11/11/2018</a:t>
             </a:fld>
             <a:endParaRPr lang="en-US"/>
           </a:p>
@@ -1000,7 +1000,7 @@
           <a:p>
             <a:fld id="{78C97017-6FC3-485B-9764-EAC9E56C1D49}" type="datetimeFigureOut">
               <a:rPr lang="en-US" smtClean="0"/>
-              <a:t>10/24/18</a:t>
+              <a:t>11/11/2018</a:t>
             </a:fld>
             <a:endParaRPr lang="en-US"/>
           </a:p>
@@ -1168,7 +1168,7 @@
           <a:p>
             <a:fld id="{78C97017-6FC3-485B-9764-EAC9E56C1D49}" type="datetimeFigureOut">
               <a:rPr lang="en-US" smtClean="0"/>
-              <a:t>10/24/18</a:t>
+              <a:t>11/11/2018</a:t>
             </a:fld>
             <a:endParaRPr lang="en-US"/>
           </a:p>
@@ -1413,7 +1413,7 @@
           <a:p>
             <a:fld id="{78C97017-6FC3-485B-9764-EAC9E56C1D49}" type="datetimeFigureOut">
               <a:rPr lang="en-US" smtClean="0"/>
-              <a:t>10/24/18</a:t>
+              <a:t>11/11/2018</a:t>
             </a:fld>
             <a:endParaRPr lang="en-US"/>
           </a:p>
@@ -1698,7 +1698,7 @@
           <a:p>
             <a:fld id="{78C97017-6FC3-485B-9764-EAC9E56C1D49}" type="datetimeFigureOut">
               <a:rPr lang="en-US" smtClean="0"/>
-              <a:t>10/24/18</a:t>
+              <a:t>11/11/2018</a:t>
             </a:fld>
             <a:endParaRPr lang="en-US"/>
           </a:p>
@@ -2117,7 +2117,7 @@
           <a:p>
             <a:fld id="{78C97017-6FC3-485B-9764-EAC9E56C1D49}" type="datetimeFigureOut">
               <a:rPr lang="en-US" smtClean="0"/>
-              <a:t>10/24/18</a:t>
+              <a:t>11/11/2018</a:t>
             </a:fld>
             <a:endParaRPr lang="en-US"/>
           </a:p>
@@ -2234,7 +2234,7 @@
           <a:p>
             <a:fld id="{78C97017-6FC3-485B-9764-EAC9E56C1D49}" type="datetimeFigureOut">
               <a:rPr lang="en-US" smtClean="0"/>
-              <a:t>10/24/18</a:t>
+              <a:t>11/11/2018</a:t>
             </a:fld>
             <a:endParaRPr lang="en-US"/>
           </a:p>
@@ -2329,7 +2329,7 @@
           <a:p>
             <a:fld id="{78C97017-6FC3-485B-9764-EAC9E56C1D49}" type="datetimeFigureOut">
               <a:rPr lang="en-US" smtClean="0"/>
-              <a:t>10/24/18</a:t>
+              <a:t>11/11/2018</a:t>
             </a:fld>
             <a:endParaRPr lang="en-US"/>
           </a:p>
@@ -2604,7 +2604,7 @@
           <a:p>
             <a:fld id="{78C97017-6FC3-485B-9764-EAC9E56C1D49}" type="datetimeFigureOut">
               <a:rPr lang="en-US" smtClean="0"/>
-              <a:t>10/24/18</a:t>
+              <a:t>11/11/2018</a:t>
             </a:fld>
             <a:endParaRPr lang="en-US"/>
           </a:p>
@@ -2856,7 +2856,7 @@
           <a:p>
             <a:fld id="{78C97017-6FC3-485B-9764-EAC9E56C1D49}" type="datetimeFigureOut">
               <a:rPr lang="en-US" smtClean="0"/>
-              <a:t>10/24/18</a:t>
+              <a:t>11/11/2018</a:t>
             </a:fld>
             <a:endParaRPr lang="en-US"/>
           </a:p>
@@ -3067,7 +3067,7 @@
           <a:p>
             <a:fld id="{78C97017-6FC3-485B-9764-EAC9E56C1D49}" type="datetimeFigureOut">
               <a:rPr lang="en-US" smtClean="0"/>
-              <a:t>10/24/18</a:t>
+              <a:t>11/11/2018</a:t>
             </a:fld>
             <a:endParaRPr lang="en-US"/>
           </a:p>
@@ -3444,10 +3444,10 @@
       </p:grpSpPr>
       <p:sp>
         <p:nvSpPr>
-          <p:cNvPr id="66" name="Rectangle 65">
+          <p:cNvPr id="53" name="Rectangle 65">
             <a:extLst>
               <a:ext uri="{FF2B5EF4-FFF2-40B4-BE49-F238E27FC236}">
-                <a16:creationId xmlns:a16="http://schemas.microsoft.com/office/drawing/2014/main" id="{977AFC49-CE5E-FB4D-8347-107895882ED4}"/>
+                <a16:creationId xmlns:a16="http://schemas.microsoft.com/office/drawing/2014/main" id="{854825E3-A718-4A8D-B433-677FED2CCC62}"/>
               </a:ext>
             </a:extLst>
           </p:cNvPr>
@@ -3506,7 +3506,13 @@
       </p:sp>
       <p:sp>
         <p:nvSpPr>
-          <p:cNvPr id="81" name="Rectangle 65"/>
+          <p:cNvPr id="54" name="Rectangle 65">
+            <a:extLst>
+              <a:ext uri="{FF2B5EF4-FFF2-40B4-BE49-F238E27FC236}">
+                <a16:creationId xmlns:a16="http://schemas.microsoft.com/office/drawing/2014/main" id="{CEF78334-8486-4533-9E4D-160728B5E350}"/>
+              </a:ext>
+            </a:extLst>
+          </p:cNvPr>
           <p:cNvSpPr/>
           <p:nvPr/>
         </p:nvSpPr>
@@ -3567,7 +3573,13 @@
       </p:sp>
       <p:sp>
         <p:nvSpPr>
-          <p:cNvPr id="2" name="Rectangle 62"/>
+          <p:cNvPr id="55" name="Rectangle 62">
+            <a:extLst>
+              <a:ext uri="{FF2B5EF4-FFF2-40B4-BE49-F238E27FC236}">
+                <a16:creationId xmlns:a16="http://schemas.microsoft.com/office/drawing/2014/main" id="{DB75DABA-6B4B-4962-9F94-5867618CD542}"/>
+              </a:ext>
+            </a:extLst>
+          </p:cNvPr>
           <p:cNvSpPr/>
           <p:nvPr/>
         </p:nvSpPr>
@@ -3634,7 +3646,13 @@
       </p:sp>
       <p:cxnSp>
         <p:nvCxnSpPr>
-          <p:cNvPr id="5" name="Straight Connector 4"/>
+          <p:cNvPr id="56" name="Straight Connector 55">
+            <a:extLst>
+              <a:ext uri="{FF2B5EF4-FFF2-40B4-BE49-F238E27FC236}">
+                <a16:creationId xmlns:a16="http://schemas.microsoft.com/office/drawing/2014/main" id="{63CFFF32-EF14-4DA8-BB0D-01EB17321B95}"/>
+              </a:ext>
+            </a:extLst>
+          </p:cNvPr>
           <p:cNvCxnSpPr>
             <a:cxnSpLocks/>
           </p:cNvCxnSpPr>
@@ -3673,7 +3691,13 @@
       </p:cxnSp>
       <p:sp>
         <p:nvSpPr>
-          <p:cNvPr id="6" name="Rectangle 5"/>
+          <p:cNvPr id="57" name="Rectangle 56">
+            <a:extLst>
+              <a:ext uri="{FF2B5EF4-FFF2-40B4-BE49-F238E27FC236}">
+                <a16:creationId xmlns:a16="http://schemas.microsoft.com/office/drawing/2014/main" id="{DBA41139-AAE6-4670-9209-77A2C59DB9E1}"/>
+              </a:ext>
+            </a:extLst>
+          </p:cNvPr>
           <p:cNvSpPr/>
           <p:nvPr/>
         </p:nvSpPr>
@@ -3720,7 +3744,13 @@
       </p:sp>
       <p:sp>
         <p:nvSpPr>
-          <p:cNvPr id="16" name="Rectangle 62"/>
+          <p:cNvPr id="58" name="Rectangle 62">
+            <a:extLst>
+              <a:ext uri="{FF2B5EF4-FFF2-40B4-BE49-F238E27FC236}">
+                <a16:creationId xmlns:a16="http://schemas.microsoft.com/office/drawing/2014/main" id="{92288C3C-1479-40C5-B05C-DE46DDADFC08}"/>
+              </a:ext>
+            </a:extLst>
+          </p:cNvPr>
           <p:cNvSpPr/>
           <p:nvPr/>
         </p:nvSpPr>
@@ -3790,7 +3820,13 @@
       </p:sp>
       <p:cxnSp>
         <p:nvCxnSpPr>
-          <p:cNvPr id="17" name="Straight Connector 16"/>
+          <p:cNvPr id="59" name="Straight Connector 58">
+            <a:extLst>
+              <a:ext uri="{FF2B5EF4-FFF2-40B4-BE49-F238E27FC236}">
+                <a16:creationId xmlns:a16="http://schemas.microsoft.com/office/drawing/2014/main" id="{E8FF3E64-16F0-4188-84F7-BFD50E483944}"/>
+              </a:ext>
+            </a:extLst>
+          </p:cNvPr>
           <p:cNvCxnSpPr>
             <a:cxnSpLocks/>
           </p:cNvCxnSpPr>
@@ -3829,7 +3865,13 @@
       </p:cxnSp>
       <p:sp>
         <p:nvSpPr>
-          <p:cNvPr id="18" name="Rectangle 17"/>
+          <p:cNvPr id="60" name="Rectangle 59">
+            <a:extLst>
+              <a:ext uri="{FF2B5EF4-FFF2-40B4-BE49-F238E27FC236}">
+                <a16:creationId xmlns:a16="http://schemas.microsoft.com/office/drawing/2014/main" id="{0F55DEE4-1F1F-4A1B-8EFF-FB545A4CE94E}"/>
+              </a:ext>
+            </a:extLst>
+          </p:cNvPr>
           <p:cNvSpPr/>
           <p:nvPr/>
         </p:nvSpPr>
@@ -3880,7 +3922,13 @@
       </p:sp>
       <p:sp>
         <p:nvSpPr>
-          <p:cNvPr id="19" name="Rectangle 62"/>
+          <p:cNvPr id="61" name="Rectangle 62">
+            <a:extLst>
+              <a:ext uri="{FF2B5EF4-FFF2-40B4-BE49-F238E27FC236}">
+                <a16:creationId xmlns:a16="http://schemas.microsoft.com/office/drawing/2014/main" id="{ABAA08AD-3FD9-43A2-BE6F-23915E1899AF}"/>
+              </a:ext>
+            </a:extLst>
+          </p:cNvPr>
           <p:cNvSpPr/>
           <p:nvPr/>
         </p:nvSpPr>
@@ -3927,7 +3975,7 @@
                   <a:schemeClr val="bg1"/>
                 </a:solidFill>
               </a:rPr>
-              <a:t>d:FilterDoctor</a:t>
+              <a:t>d:FilterPatient</a:t>
             </a:r>
             <a:br>
               <a:rPr lang="en-US" sz="1200" dirty="0">
@@ -3954,10 +4002,16 @@
       </p:sp>
       <p:cxnSp>
         <p:nvCxnSpPr>
-          <p:cNvPr id="20" name="Straight Connector 19"/>
+          <p:cNvPr id="62" name="Straight Connector 61">
+            <a:extLst>
+              <a:ext uri="{FF2B5EF4-FFF2-40B4-BE49-F238E27FC236}">
+                <a16:creationId xmlns:a16="http://schemas.microsoft.com/office/drawing/2014/main" id="{BBE734E8-14FF-4B43-93AD-2607C90CA2CB}"/>
+              </a:ext>
+            </a:extLst>
+          </p:cNvPr>
           <p:cNvCxnSpPr>
             <a:cxnSpLocks/>
-            <a:stCxn id="21" idx="0"/>
+            <a:stCxn id="63" idx="0"/>
           </p:cNvCxnSpPr>
           <p:nvPr/>
         </p:nvCxnSpPr>
@@ -3994,7 +4048,13 @@
       </p:cxnSp>
       <p:sp>
         <p:nvSpPr>
-          <p:cNvPr id="21" name="Rectangle 20"/>
+          <p:cNvPr id="63" name="Rectangle 62">
+            <a:extLst>
+              <a:ext uri="{FF2B5EF4-FFF2-40B4-BE49-F238E27FC236}">
+                <a16:creationId xmlns:a16="http://schemas.microsoft.com/office/drawing/2014/main" id="{48D29C37-2AD7-4A18-A436-D07828194C74}"/>
+              </a:ext>
+            </a:extLst>
+          </p:cNvPr>
           <p:cNvSpPr/>
           <p:nvPr/>
         </p:nvSpPr>
@@ -4041,7 +4101,13 @@
       </p:sp>
       <p:cxnSp>
         <p:nvCxnSpPr>
-          <p:cNvPr id="23" name="Straight Arrow Connector 22"/>
+          <p:cNvPr id="67" name="Straight Arrow Connector 66">
+            <a:extLst>
+              <a:ext uri="{FF2B5EF4-FFF2-40B4-BE49-F238E27FC236}">
+                <a16:creationId xmlns:a16="http://schemas.microsoft.com/office/drawing/2014/main" id="{8B6ED935-0574-4C58-8B96-0CAFB778999E}"/>
+              </a:ext>
+            </a:extLst>
+          </p:cNvPr>
           <p:cNvCxnSpPr>
             <a:cxnSpLocks/>
           </p:cNvCxnSpPr>
@@ -4079,7 +4145,13 @@
       </p:cxnSp>
       <p:cxnSp>
         <p:nvCxnSpPr>
-          <p:cNvPr id="25" name="Straight Arrow Connector 24"/>
+          <p:cNvPr id="68" name="Straight Arrow Connector 67">
+            <a:extLst>
+              <a:ext uri="{FF2B5EF4-FFF2-40B4-BE49-F238E27FC236}">
+                <a16:creationId xmlns:a16="http://schemas.microsoft.com/office/drawing/2014/main" id="{6852EE1D-1858-40A4-BC04-7A9703A5C1C6}"/>
+              </a:ext>
+            </a:extLst>
+          </p:cNvPr>
           <p:cNvCxnSpPr>
             <a:cxnSpLocks/>
           </p:cNvCxnSpPr>
@@ -4117,7 +4189,13 @@
       </p:cxnSp>
       <p:sp>
         <p:nvSpPr>
-          <p:cNvPr id="26" name="TextBox 25"/>
+          <p:cNvPr id="69" name="TextBox 68">
+            <a:extLst>
+              <a:ext uri="{FF2B5EF4-FFF2-40B4-BE49-F238E27FC236}">
+                <a16:creationId xmlns:a16="http://schemas.microsoft.com/office/drawing/2014/main" id="{4960A269-133A-465E-A490-B8C43C3D3E40}"/>
+              </a:ext>
+            </a:extLst>
+          </p:cNvPr>
           <p:cNvSpPr txBox="1"/>
           <p:nvPr/>
         </p:nvSpPr>
@@ -4155,14 +4233,20 @@
                   <a:srgbClr val="0070C0"/>
                 </a:solidFill>
               </a:rPr>
-              <a:t>(“filter-doctor”)</a:t>
+              <a:t>(“filter-patient”)</a:t>
             </a:r>
           </a:p>
         </p:txBody>
       </p:sp>
       <p:cxnSp>
         <p:nvCxnSpPr>
-          <p:cNvPr id="28" name="Straight Arrow Connector 27"/>
+          <p:cNvPr id="70" name="Straight Arrow Connector 69">
+            <a:extLst>
+              <a:ext uri="{FF2B5EF4-FFF2-40B4-BE49-F238E27FC236}">
+                <a16:creationId xmlns:a16="http://schemas.microsoft.com/office/drawing/2014/main" id="{369E2F3D-5856-4FA7-8F26-3008BACD02A2}"/>
+              </a:ext>
+            </a:extLst>
+          </p:cNvPr>
           <p:cNvCxnSpPr>
             <a:cxnSpLocks/>
           </p:cNvCxnSpPr>
@@ -4200,7 +4284,13 @@
       </p:cxnSp>
       <p:sp>
         <p:nvSpPr>
-          <p:cNvPr id="29" name="TextBox 28"/>
+          <p:cNvPr id="72" name="TextBox 71">
+            <a:extLst>
+              <a:ext uri="{FF2B5EF4-FFF2-40B4-BE49-F238E27FC236}">
+                <a16:creationId xmlns:a16="http://schemas.microsoft.com/office/drawing/2014/main" id="{5B877B89-3DDB-4DAC-AB2A-49E428092525}"/>
+              </a:ext>
+            </a:extLst>
+          </p:cNvPr>
           <p:cNvSpPr txBox="1"/>
           <p:nvPr/>
         </p:nvSpPr>
@@ -4240,10 +4330,16 @@
       </p:sp>
       <p:cxnSp>
         <p:nvCxnSpPr>
-          <p:cNvPr id="34" name="Straight Arrow Connector 33"/>
+          <p:cNvPr id="79" name="Straight Arrow Connector 78">
+            <a:extLst>
+              <a:ext uri="{FF2B5EF4-FFF2-40B4-BE49-F238E27FC236}">
+                <a16:creationId xmlns:a16="http://schemas.microsoft.com/office/drawing/2014/main" id="{047EEC9E-686E-4C42-A5C8-5153527F7FF8}"/>
+              </a:ext>
+            </a:extLst>
+          </p:cNvPr>
           <p:cNvCxnSpPr>
             <a:cxnSpLocks/>
-            <a:endCxn id="21" idx="2"/>
+            <a:endCxn id="63" idx="2"/>
           </p:cNvCxnSpPr>
           <p:nvPr/>
         </p:nvCxnSpPr>
@@ -4281,7 +4377,13 @@
       </p:cxnSp>
       <p:cxnSp>
         <p:nvCxnSpPr>
-          <p:cNvPr id="35" name="Straight Arrow Connector 34"/>
+          <p:cNvPr id="80" name="Straight Arrow Connector 79">
+            <a:extLst>
+              <a:ext uri="{FF2B5EF4-FFF2-40B4-BE49-F238E27FC236}">
+                <a16:creationId xmlns:a16="http://schemas.microsoft.com/office/drawing/2014/main" id="{8F15B837-F0C0-4139-B778-9CC29E47B04F}"/>
+              </a:ext>
+            </a:extLst>
+          </p:cNvPr>
           <p:cNvCxnSpPr>
             <a:cxnSpLocks/>
           </p:cNvCxnSpPr>
@@ -4321,7 +4423,13 @@
       </p:cxnSp>
       <p:cxnSp>
         <p:nvCxnSpPr>
-          <p:cNvPr id="37" name="Straight Arrow Connector 36"/>
+          <p:cNvPr id="92" name="Straight Arrow Connector 91">
+            <a:extLst>
+              <a:ext uri="{FF2B5EF4-FFF2-40B4-BE49-F238E27FC236}">
+                <a16:creationId xmlns:a16="http://schemas.microsoft.com/office/drawing/2014/main" id="{B5A2646E-413D-4E4E-8A51-FD8F19826836}"/>
+              </a:ext>
+            </a:extLst>
+          </p:cNvPr>
           <p:cNvCxnSpPr>
             <a:cxnSpLocks/>
           </p:cNvCxnSpPr>
@@ -4361,7 +4469,13 @@
       </p:cxnSp>
       <p:sp>
         <p:nvSpPr>
-          <p:cNvPr id="39" name="Rectangle 62"/>
+          <p:cNvPr id="94" name="Rectangle 62">
+            <a:extLst>
+              <a:ext uri="{FF2B5EF4-FFF2-40B4-BE49-F238E27FC236}">
+                <a16:creationId xmlns:a16="http://schemas.microsoft.com/office/drawing/2014/main" id="{578F6F0D-06A8-4BE6-9AD0-2C2FEEDB21DC}"/>
+              </a:ext>
+            </a:extLst>
+          </p:cNvPr>
           <p:cNvSpPr/>
           <p:nvPr/>
         </p:nvSpPr>
@@ -4414,23 +4528,7 @@
                   <a:schemeClr val="bg1"/>
                 </a:solidFill>
               </a:rPr>
-              <a:t>p</a:t>
-            </a:r>
-            <a:r>
-              <a:rPr lang="en-US" sz="1200" err="1">
-                <a:solidFill>
-                  <a:schemeClr val="bg1"/>
-                </a:solidFill>
-              </a:rPr>
-              <a:t>:</a:t>
-            </a:r>
-            <a:r>
-              <a:rPr lang="en-US" sz="1200">
-                <a:solidFill>
-                  <a:schemeClr val="bg1"/>
-                </a:solidFill>
-              </a:rPr>
-              <a:t>TagContainsDoctorPredicate</a:t>
+              <a:t>p:TagContainsPatientPredicate</a:t>
             </a:r>
             <a:endParaRPr lang="en-SG" sz="1200" dirty="0">
               <a:solidFill>
@@ -4442,7 +4540,13 @@
       </p:sp>
       <p:cxnSp>
         <p:nvCxnSpPr>
-          <p:cNvPr id="64" name="Straight Arrow Connector 63"/>
+          <p:cNvPr id="95" name="Straight Arrow Connector 94">
+            <a:extLst>
+              <a:ext uri="{FF2B5EF4-FFF2-40B4-BE49-F238E27FC236}">
+                <a16:creationId xmlns:a16="http://schemas.microsoft.com/office/drawing/2014/main" id="{0521E8B9-36A2-4C27-89A0-AD99563A743F}"/>
+              </a:ext>
+            </a:extLst>
+          </p:cNvPr>
           <p:cNvCxnSpPr>
             <a:cxnSpLocks/>
           </p:cNvCxnSpPr>
@@ -4480,7 +4584,13 @@
       </p:cxnSp>
       <p:sp>
         <p:nvSpPr>
-          <p:cNvPr id="65" name="Rectangle 64"/>
+          <p:cNvPr id="96" name="Rectangle 95">
+            <a:extLst>
+              <a:ext uri="{FF2B5EF4-FFF2-40B4-BE49-F238E27FC236}">
+                <a16:creationId xmlns:a16="http://schemas.microsoft.com/office/drawing/2014/main" id="{57BFDF60-3D29-4069-99FB-99AE2F1430D0}"/>
+              </a:ext>
+            </a:extLst>
+          </p:cNvPr>
           <p:cNvSpPr/>
           <p:nvPr/>
         </p:nvSpPr>
@@ -4527,7 +4637,13 @@
       </p:sp>
       <p:cxnSp>
         <p:nvCxnSpPr>
-          <p:cNvPr id="71" name="Straight Connector 70"/>
+          <p:cNvPr id="97" name="Straight Connector 96">
+            <a:extLst>
+              <a:ext uri="{FF2B5EF4-FFF2-40B4-BE49-F238E27FC236}">
+                <a16:creationId xmlns:a16="http://schemas.microsoft.com/office/drawing/2014/main" id="{7D4BC2F8-4EC4-44F3-B682-52ACB9FB2A3C}"/>
+              </a:ext>
+            </a:extLst>
+          </p:cNvPr>
           <p:cNvCxnSpPr>
             <a:cxnSpLocks/>
           </p:cNvCxnSpPr>
@@ -4569,7 +4685,13 @@
       </p:cxnSp>
       <p:sp>
         <p:nvSpPr>
-          <p:cNvPr id="73" name="Rectangle 72"/>
+          <p:cNvPr id="98" name="Rectangle 97">
+            <a:extLst>
+              <a:ext uri="{FF2B5EF4-FFF2-40B4-BE49-F238E27FC236}">
+                <a16:creationId xmlns:a16="http://schemas.microsoft.com/office/drawing/2014/main" id="{DC6DFC0B-6799-442C-9E73-1AE0DBCE1020}"/>
+              </a:ext>
+            </a:extLst>
+          </p:cNvPr>
           <p:cNvSpPr/>
           <p:nvPr/>
         </p:nvSpPr>
@@ -4626,7 +4748,13 @@
       </p:sp>
       <p:cxnSp>
         <p:nvCxnSpPr>
-          <p:cNvPr id="75" name="Straight Arrow Connector 74"/>
+          <p:cNvPr id="99" name="Straight Arrow Connector 98">
+            <a:extLst>
+              <a:ext uri="{FF2B5EF4-FFF2-40B4-BE49-F238E27FC236}">
+                <a16:creationId xmlns:a16="http://schemas.microsoft.com/office/drawing/2014/main" id="{72BB0CEF-1C4F-4E1B-BCA2-90A68BE076D4}"/>
+              </a:ext>
+            </a:extLst>
+          </p:cNvPr>
           <p:cNvCxnSpPr>
             <a:cxnSpLocks/>
           </p:cNvCxnSpPr>
@@ -4664,10 +4792,16 @@
       </p:cxnSp>
       <p:cxnSp>
         <p:nvCxnSpPr>
-          <p:cNvPr id="76" name="Straight Arrow Connector 75"/>
+          <p:cNvPr id="100" name="Straight Arrow Connector 99">
+            <a:extLst>
+              <a:ext uri="{FF2B5EF4-FFF2-40B4-BE49-F238E27FC236}">
+                <a16:creationId xmlns:a16="http://schemas.microsoft.com/office/drawing/2014/main" id="{DACC0888-7C72-496F-9D82-F0FABA0D16B2}"/>
+              </a:ext>
+            </a:extLst>
+          </p:cNvPr>
           <p:cNvCxnSpPr>
             <a:cxnSpLocks/>
-            <a:endCxn id="73" idx="2"/>
+            <a:endCxn id="98" idx="2"/>
           </p:cNvCxnSpPr>
           <p:nvPr/>
         </p:nvCxnSpPr>
@@ -4708,7 +4842,13 @@
       </p:cxnSp>
       <p:cxnSp>
         <p:nvCxnSpPr>
-          <p:cNvPr id="77" name="Straight Arrow Connector 76"/>
+          <p:cNvPr id="101" name="Straight Arrow Connector 100">
+            <a:extLst>
+              <a:ext uri="{FF2B5EF4-FFF2-40B4-BE49-F238E27FC236}">
+                <a16:creationId xmlns:a16="http://schemas.microsoft.com/office/drawing/2014/main" id="{3591C051-89C3-47E6-AB3F-A0B78FEC9021}"/>
+              </a:ext>
+            </a:extLst>
+          </p:cNvPr>
           <p:cNvCxnSpPr>
             <a:cxnSpLocks/>
           </p:cNvCxnSpPr>
@@ -4748,7 +4888,13 @@
       </p:cxnSp>
       <p:sp>
         <p:nvSpPr>
-          <p:cNvPr id="82" name="TextBox 81"/>
+          <p:cNvPr id="102" name="TextBox 101">
+            <a:extLst>
+              <a:ext uri="{FF2B5EF4-FFF2-40B4-BE49-F238E27FC236}">
+                <a16:creationId xmlns:a16="http://schemas.microsoft.com/office/drawing/2014/main" id="{FAEC80A2-F544-4926-AF8A-5B341731449C}"/>
+              </a:ext>
+            </a:extLst>
+          </p:cNvPr>
           <p:cNvSpPr txBox="1"/>
           <p:nvPr/>
         </p:nvSpPr>
@@ -4788,7 +4934,13 @@
       </p:sp>
       <p:sp>
         <p:nvSpPr>
-          <p:cNvPr id="83" name="TextBox 82"/>
+          <p:cNvPr id="103" name="TextBox 102">
+            <a:extLst>
+              <a:ext uri="{FF2B5EF4-FFF2-40B4-BE49-F238E27FC236}">
+                <a16:creationId xmlns:a16="http://schemas.microsoft.com/office/drawing/2014/main" id="{A29BB082-D24A-46EA-9B7A-68D98F8E4E61}"/>
+              </a:ext>
+            </a:extLst>
+          </p:cNvPr>
           <p:cNvSpPr txBox="1"/>
           <p:nvPr/>
         </p:nvSpPr>
@@ -4828,7 +4980,13 @@
       </p:sp>
       <p:sp>
         <p:nvSpPr>
-          <p:cNvPr id="86" name="Rectangle 85"/>
+          <p:cNvPr id="104" name="Rectangle 103">
+            <a:extLst>
+              <a:ext uri="{FF2B5EF4-FFF2-40B4-BE49-F238E27FC236}">
+                <a16:creationId xmlns:a16="http://schemas.microsoft.com/office/drawing/2014/main" id="{A4F84625-D1FC-4FFC-83C3-F08C43011799}"/>
+              </a:ext>
+            </a:extLst>
+          </p:cNvPr>
           <p:cNvSpPr/>
           <p:nvPr/>
         </p:nvSpPr>
@@ -4875,7 +5033,13 @@
       </p:sp>
       <p:cxnSp>
         <p:nvCxnSpPr>
-          <p:cNvPr id="90" name="Straight Arrow Connector 89"/>
+          <p:cNvPr id="105" name="Straight Arrow Connector 104">
+            <a:extLst>
+              <a:ext uri="{FF2B5EF4-FFF2-40B4-BE49-F238E27FC236}">
+                <a16:creationId xmlns:a16="http://schemas.microsoft.com/office/drawing/2014/main" id="{5A11521A-EF68-4BD3-8596-A3A1D0F81764}"/>
+              </a:ext>
+            </a:extLst>
+          </p:cNvPr>
           <p:cNvCxnSpPr/>
           <p:nvPr/>
         </p:nvCxnSpPr>
@@ -4913,7 +5077,13 @@
       </p:cxnSp>
       <p:sp>
         <p:nvSpPr>
-          <p:cNvPr id="93" name="TextBox 92"/>
+          <p:cNvPr id="106" name="TextBox 105">
+            <a:extLst>
+              <a:ext uri="{FF2B5EF4-FFF2-40B4-BE49-F238E27FC236}">
+                <a16:creationId xmlns:a16="http://schemas.microsoft.com/office/drawing/2014/main" id="{04FA5EC9-F0EB-4D06-ADDC-3EAC4EDE2160}"/>
+              </a:ext>
+            </a:extLst>
+          </p:cNvPr>
           <p:cNvSpPr txBox="1"/>
           <p:nvPr/>
         </p:nvSpPr>
@@ -4953,7 +5123,13 @@
       </p:sp>
       <p:sp>
         <p:nvSpPr>
-          <p:cNvPr id="40" name="Rectangle 62"/>
+          <p:cNvPr id="107" name="Rectangle 62">
+            <a:extLst>
+              <a:ext uri="{FF2B5EF4-FFF2-40B4-BE49-F238E27FC236}">
+                <a16:creationId xmlns:a16="http://schemas.microsoft.com/office/drawing/2014/main" id="{D960A7DD-34A7-49DD-9EDE-550326DD6F70}"/>
+              </a:ext>
+            </a:extLst>
+          </p:cNvPr>
           <p:cNvSpPr/>
           <p:nvPr/>
         </p:nvSpPr>
@@ -5008,7 +5184,7 @@
                   <a:schemeClr val="bg1"/>
                 </a:solidFill>
               </a:rPr>
-              <a:t>FilterDoctor</a:t>
+              <a:t>FilterPatient</a:t>
             </a:r>
             <a:endParaRPr lang="en-US" sz="1200" dirty="0">
               <a:solidFill>
@@ -5036,7 +5212,13 @@
       </p:sp>
       <p:cxnSp>
         <p:nvCxnSpPr>
-          <p:cNvPr id="8" name="Straight Arrow Connector 7"/>
+          <p:cNvPr id="108" name="Straight Arrow Connector 107">
+            <a:extLst>
+              <a:ext uri="{FF2B5EF4-FFF2-40B4-BE49-F238E27FC236}">
+                <a16:creationId xmlns:a16="http://schemas.microsoft.com/office/drawing/2014/main" id="{5FFEF44F-7802-4033-9D59-226F489D39B1}"/>
+              </a:ext>
+            </a:extLst>
+          </p:cNvPr>
           <p:cNvCxnSpPr>
             <a:cxnSpLocks/>
           </p:cNvCxnSpPr>
@@ -5072,7 +5254,13 @@
       </p:cxnSp>
       <p:sp>
         <p:nvSpPr>
-          <p:cNvPr id="45" name="Rectangle 44"/>
+          <p:cNvPr id="109" name="Rectangle 108">
+            <a:extLst>
+              <a:ext uri="{FF2B5EF4-FFF2-40B4-BE49-F238E27FC236}">
+                <a16:creationId xmlns:a16="http://schemas.microsoft.com/office/drawing/2014/main" id="{47AF2D4E-253B-49FD-B6C8-2217876F159E}"/>
+              </a:ext>
+            </a:extLst>
+          </p:cNvPr>
           <p:cNvSpPr/>
           <p:nvPr/>
         </p:nvSpPr>
@@ -5119,7 +5307,13 @@
       </p:sp>
       <p:cxnSp>
         <p:nvCxnSpPr>
-          <p:cNvPr id="46" name="Straight Connector 45"/>
+          <p:cNvPr id="110" name="Straight Connector 109">
+            <a:extLst>
+              <a:ext uri="{FF2B5EF4-FFF2-40B4-BE49-F238E27FC236}">
+                <a16:creationId xmlns:a16="http://schemas.microsoft.com/office/drawing/2014/main" id="{69B13E5C-2C83-4CA7-93B5-66A0B15A2A36}"/>
+              </a:ext>
+            </a:extLst>
+          </p:cNvPr>
           <p:cNvCxnSpPr>
             <a:cxnSpLocks/>
           </p:cNvCxnSpPr>
@@ -5158,7 +5352,13 @@
       </p:cxnSp>
       <p:sp>
         <p:nvSpPr>
-          <p:cNvPr id="49" name="Rectangle 48"/>
+          <p:cNvPr id="111" name="Rectangle 110">
+            <a:extLst>
+              <a:ext uri="{FF2B5EF4-FFF2-40B4-BE49-F238E27FC236}">
+                <a16:creationId xmlns:a16="http://schemas.microsoft.com/office/drawing/2014/main" id="{C41044C9-88CB-4A4C-B9C4-BF343A2EFA6D}"/>
+              </a:ext>
+            </a:extLst>
+          </p:cNvPr>
           <p:cNvSpPr/>
           <p:nvPr/>
         </p:nvSpPr>
@@ -5205,7 +5405,13 @@
       </p:sp>
       <p:cxnSp>
         <p:nvCxnSpPr>
-          <p:cNvPr id="51" name="Straight Arrow Connector 50"/>
+          <p:cNvPr id="112" name="Straight Arrow Connector 111">
+            <a:extLst>
+              <a:ext uri="{FF2B5EF4-FFF2-40B4-BE49-F238E27FC236}">
+                <a16:creationId xmlns:a16="http://schemas.microsoft.com/office/drawing/2014/main" id="{F2858B61-D3DE-4A34-A348-C0E3A94B952D}"/>
+              </a:ext>
+            </a:extLst>
+          </p:cNvPr>
           <p:cNvCxnSpPr>
             <a:cxnSpLocks/>
           </p:cNvCxnSpPr>
@@ -5245,7 +5451,13 @@
       </p:cxnSp>
       <p:cxnSp>
         <p:nvCxnSpPr>
-          <p:cNvPr id="13" name="Straight Arrow Connector 12"/>
+          <p:cNvPr id="113" name="Straight Arrow Connector 112">
+            <a:extLst>
+              <a:ext uri="{FF2B5EF4-FFF2-40B4-BE49-F238E27FC236}">
+                <a16:creationId xmlns:a16="http://schemas.microsoft.com/office/drawing/2014/main" id="{DC831247-97F5-4927-A329-BA6A104159DA}"/>
+              </a:ext>
+            </a:extLst>
+          </p:cNvPr>
           <p:cNvCxnSpPr/>
           <p:nvPr/>
         </p:nvCxnSpPr>
@@ -5279,7 +5491,13 @@
       </p:cxnSp>
       <p:cxnSp>
         <p:nvCxnSpPr>
-          <p:cNvPr id="50" name="Straight Arrow Connector 49"/>
+          <p:cNvPr id="114" name="Straight Arrow Connector 113">
+            <a:extLst>
+              <a:ext uri="{FF2B5EF4-FFF2-40B4-BE49-F238E27FC236}">
+                <a16:creationId xmlns:a16="http://schemas.microsoft.com/office/drawing/2014/main" id="{198A87F8-0BF6-438C-9B42-6DA5DC9AA0E2}"/>
+              </a:ext>
+            </a:extLst>
+          </p:cNvPr>
           <p:cNvCxnSpPr>
             <a:cxnSpLocks/>
           </p:cNvCxnSpPr>
@@ -5317,7 +5535,13 @@
       </p:cxnSp>
       <p:cxnSp>
         <p:nvCxnSpPr>
-          <p:cNvPr id="52" name="Straight Arrow Connector 51"/>
+          <p:cNvPr id="115" name="Straight Arrow Connector 114">
+            <a:extLst>
+              <a:ext uri="{FF2B5EF4-FFF2-40B4-BE49-F238E27FC236}">
+                <a16:creationId xmlns:a16="http://schemas.microsoft.com/office/drawing/2014/main" id="{19867CB1-9D07-4B79-BB61-1CC45AB90AC1}"/>
+              </a:ext>
+            </a:extLst>
+          </p:cNvPr>
           <p:cNvCxnSpPr>
             <a:cxnSpLocks/>
           </p:cNvCxnSpPr>
@@ -5357,7 +5581,13 @@
       </p:cxnSp>
       <p:sp>
         <p:nvSpPr>
-          <p:cNvPr id="4" name="TextBox 3"/>
+          <p:cNvPr id="116" name="TextBox 115">
+            <a:extLst>
+              <a:ext uri="{FF2B5EF4-FFF2-40B4-BE49-F238E27FC236}">
+                <a16:creationId xmlns:a16="http://schemas.microsoft.com/office/drawing/2014/main" id="{F5361AC7-89A2-4EF8-9F59-FC338C4DB53F}"/>
+              </a:ext>
+            </a:extLst>
+          </p:cNvPr>
           <p:cNvSpPr txBox="1"/>
           <p:nvPr/>
         </p:nvSpPr>
@@ -5390,10 +5620,10 @@
       </p:sp>
       <p:cxnSp>
         <p:nvCxnSpPr>
-          <p:cNvPr id="74" name="Straight Connector 70">
+          <p:cNvPr id="117" name="Straight Connector 70">
             <a:extLst>
               <a:ext uri="{FF2B5EF4-FFF2-40B4-BE49-F238E27FC236}">
-                <a16:creationId xmlns:a16="http://schemas.microsoft.com/office/drawing/2014/main" id="{3C5E4B8D-C49A-FF4C-B2DF-24E2514AB45D}"/>
+                <a16:creationId xmlns:a16="http://schemas.microsoft.com/office/drawing/2014/main" id="{B3E2E50E-9265-4309-8784-C73E158945F5}"/>
               </a:ext>
             </a:extLst>
           </p:cNvPr>
@@ -5438,10 +5668,10 @@
       </p:cxnSp>
       <p:sp>
         <p:nvSpPr>
-          <p:cNvPr id="85" name="Rectangle 72">
+          <p:cNvPr id="118" name="Rectangle 72">
             <a:extLst>
               <a:ext uri="{FF2B5EF4-FFF2-40B4-BE49-F238E27FC236}">
-                <a16:creationId xmlns:a16="http://schemas.microsoft.com/office/drawing/2014/main" id="{3A77499D-19EC-794E-A5C5-26EFCB5ED155}"/>
+                <a16:creationId xmlns:a16="http://schemas.microsoft.com/office/drawing/2014/main" id="{05396954-68B8-46E1-8DCE-51BAE978708C}"/>
               </a:ext>
             </a:extLst>
           </p:cNvPr>
@@ -5501,16 +5731,16 @@
       </p:sp>
       <p:cxnSp>
         <p:nvCxnSpPr>
-          <p:cNvPr id="87" name="Straight Arrow Connector 75">
+          <p:cNvPr id="119" name="Straight Arrow Connector 75">
             <a:extLst>
               <a:ext uri="{FF2B5EF4-FFF2-40B4-BE49-F238E27FC236}">
-                <a16:creationId xmlns:a16="http://schemas.microsoft.com/office/drawing/2014/main" id="{7CF7ECA5-86DB-CF42-9365-87754163FDB3}"/>
+                <a16:creationId xmlns:a16="http://schemas.microsoft.com/office/drawing/2014/main" id="{0F09B311-786C-4ADC-B792-F50E7732EE67}"/>
               </a:ext>
             </a:extLst>
           </p:cNvPr>
           <p:cNvCxnSpPr>
             <a:cxnSpLocks/>
-            <a:endCxn id="85" idx="2"/>
+            <a:endCxn id="118" idx="2"/>
           </p:cNvCxnSpPr>
           <p:nvPr/>
         </p:nvCxnSpPr>
@@ -5551,10 +5781,10 @@
       </p:cxnSp>
       <p:sp>
         <p:nvSpPr>
-          <p:cNvPr id="88" name="Rectangle 62">
+          <p:cNvPr id="120" name="Rectangle 62">
             <a:extLst>
               <a:ext uri="{FF2B5EF4-FFF2-40B4-BE49-F238E27FC236}">
-                <a16:creationId xmlns:a16="http://schemas.microsoft.com/office/drawing/2014/main" id="{F7BA9BAF-B03F-A340-B807-FCD99F49A49E}"/>
+                <a16:creationId xmlns:a16="http://schemas.microsoft.com/office/drawing/2014/main" id="{BF81E96D-107C-473C-91B4-FCE441D6C698}"/>
               </a:ext>
             </a:extLst>
           </p:cNvPr>
@@ -5622,10 +5852,10 @@
       </p:sp>
       <p:sp>
         <p:nvSpPr>
-          <p:cNvPr id="89" name="TextBox 77">
+          <p:cNvPr id="121" name="TextBox 77">
             <a:extLst>
               <a:ext uri="{FF2B5EF4-FFF2-40B4-BE49-F238E27FC236}">
-                <a16:creationId xmlns:a16="http://schemas.microsoft.com/office/drawing/2014/main" id="{093278BE-0289-F347-B6D7-0B94514EC160}"/>
+                <a16:creationId xmlns:a16="http://schemas.microsoft.com/office/drawing/2014/main" id="{20326922-D442-4F13-ABEC-46E1F3490C44}"/>
               </a:ext>
             </a:extLst>
           </p:cNvPr>
@@ -5672,10 +5902,10 @@
       </p:sp>
       <p:cxnSp>
         <p:nvCxnSpPr>
-          <p:cNvPr id="91" name="Straight Arrow Connector 74">
+          <p:cNvPr id="122" name="Straight Arrow Connector 74">
             <a:extLst>
               <a:ext uri="{FF2B5EF4-FFF2-40B4-BE49-F238E27FC236}">
-                <a16:creationId xmlns:a16="http://schemas.microsoft.com/office/drawing/2014/main" id="{C03ABABB-0272-4C4A-9E08-568D3C87CA72}"/>
+                <a16:creationId xmlns:a16="http://schemas.microsoft.com/office/drawing/2014/main" id="{D260059D-EBEC-431B-ACE4-6FB584E503AF}"/>
               </a:ext>
             </a:extLst>
           </p:cNvPr>
@@ -5716,7 +5946,13 @@
       </p:cxnSp>
       <p:sp>
         <p:nvSpPr>
-          <p:cNvPr id="78" name="TextBox 77"/>
+          <p:cNvPr id="123" name="TextBox 122">
+            <a:extLst>
+              <a:ext uri="{FF2B5EF4-FFF2-40B4-BE49-F238E27FC236}">
+                <a16:creationId xmlns:a16="http://schemas.microsoft.com/office/drawing/2014/main" id="{5094FD07-EFA4-4550-ACF2-D9997DD68F5C}"/>
+              </a:ext>
+            </a:extLst>
+          </p:cNvPr>
           <p:cNvSpPr txBox="1"/>
           <p:nvPr/>
         </p:nvSpPr>
@@ -5768,7 +6004,13 @@
       </p:sp>
       <p:sp>
         <p:nvSpPr>
-          <p:cNvPr id="84" name="Rectangle 62"/>
+          <p:cNvPr id="124" name="Rectangle 62">
+            <a:extLst>
+              <a:ext uri="{FF2B5EF4-FFF2-40B4-BE49-F238E27FC236}">
+                <a16:creationId xmlns:a16="http://schemas.microsoft.com/office/drawing/2014/main" id="{A57CCC27-75EC-401C-9B5E-DDBA9BB0036F}"/>
+              </a:ext>
+            </a:extLst>
+          </p:cNvPr>
           <p:cNvSpPr/>
           <p:nvPr/>
         </p:nvSpPr>
